--- a/content/lessons/Lesson_14/assets/lesson14_homework_student.pptx
+++ b/content/lessons/Lesson_14/assets/lesson14_homework_student.pptx
@@ -6028,7 +6028,7 @@
         <p:spPr>
           <a:xfrm>
             <a:off x="256525" y="1819146"/>
-            <a:ext cx="2954573" cy="7394332"/>
+            <a:ext cx="2954573" cy="6394058"/>
           </a:xfrm>
           <a:prstGeom prst="rect">
             <a:avLst/>
@@ -6049,7 +6049,7 @@
           <a:lstStyle/>
           <a:p>
             <a:r>
-              <a:rPr lang="pt-BR" sz="1100" b="1" dirty="0">
+              <a:rPr lang="pt-BR" sz="1050" b="1" dirty="0">
                 <a:solidFill>
                   <a:schemeClr val="accent1">
                     <a:lumMod val="50000"/>
@@ -6068,7 +6068,7 @@
             </a:pPr>
             <a:r>
               <a:rPr lang="pt-BR" sz="1050" dirty="0">
-                <a:latin typeface="Verdana" panose="020B0604030504040204" pitchFamily="34" charset="0"/>
+                <a:latin typeface="Segoe UI" panose="020B0502040204020203" pitchFamily="34" charset="0"/>
                 <a:ea typeface="Verdana" panose="020B0604030504040204" pitchFamily="34" charset="0"/>
                 <a:cs typeface="Segoe UI" panose="020B0502040204020203" pitchFamily="34" charset="0"/>
               </a:rPr>
@@ -6079,13 +6079,14 @@
                 <a:solidFill>
                   <a:srgbClr val="000000"/>
                 </a:solidFill>
-                <a:latin typeface="Verdana" panose="020B0604030504040204" pitchFamily="34" charset="0"/>
+                <a:latin typeface="Segoe UI" panose="020B0502040204020203" pitchFamily="34" charset="0"/>
+                <a:cs typeface="Segoe UI" panose="020B0502040204020203" pitchFamily="34" charset="0"/>
               </a:rPr>
               <a:t>can speak </a:t>
             </a:r>
             <a:r>
               <a:rPr lang="pt-BR" sz="1050" dirty="0">
-                <a:latin typeface="Verdana" panose="020B0604030504040204" pitchFamily="34" charset="0"/>
+                <a:latin typeface="Segoe UI" panose="020B0502040204020203" pitchFamily="34" charset="0"/>
                 <a:ea typeface="Verdana" panose="020B0604030504040204" pitchFamily="34" charset="0"/>
                 <a:cs typeface="Segoe UI" panose="020B0502040204020203" pitchFamily="34" charset="0"/>
               </a:rPr>
@@ -6093,7 +6094,7 @@
             </a:r>
             <a:r>
               <a:rPr lang="pt-BR" sz="1050" i="1" dirty="0">
-                <a:latin typeface="Verdana" panose="020B0604030504040204" pitchFamily="34" charset="0"/>
+                <a:latin typeface="Segoe UI" panose="020B0502040204020203" pitchFamily="34" charset="0"/>
                 <a:ea typeface="Verdana" panose="020B0604030504040204" pitchFamily="34" charset="0"/>
                 <a:cs typeface="Segoe UI" panose="020B0502040204020203" pitchFamily="34" charset="0"/>
               </a:rPr>
@@ -6101,7 +6102,7 @@
             </a:r>
             <a:r>
               <a:rPr lang="pt-BR" sz="1050" dirty="0">
-                <a:latin typeface="Verdana" panose="020B0604030504040204" pitchFamily="34" charset="0"/>
+                <a:latin typeface="Segoe UI" panose="020B0502040204020203" pitchFamily="34" charset="0"/>
                 <a:ea typeface="Verdana" panose="020B0604030504040204" pitchFamily="34" charset="0"/>
                 <a:cs typeface="Segoe UI" panose="020B0502040204020203" pitchFamily="34" charset="0"/>
               </a:rPr>
@@ -6115,7 +6116,7 @@
             </a:pPr>
             <a:r>
               <a:rPr lang="en-US" sz="1050" dirty="0">
-                <a:latin typeface="Verdana" panose="020B0604030504040204" pitchFamily="34" charset="0"/>
+                <a:latin typeface="Segoe UI" panose="020B0502040204020203" pitchFamily="34" charset="0"/>
                 <a:ea typeface="Verdana" panose="020B0604030504040204" pitchFamily="34" charset="0"/>
                 <a:cs typeface="Segoe UI" panose="020B0502040204020203" pitchFamily="34" charset="0"/>
               </a:rPr>
@@ -6126,13 +6127,14 @@
                 <a:solidFill>
                   <a:srgbClr val="000000"/>
                 </a:solidFill>
-                <a:latin typeface="Verdana" panose="020B0604030504040204" pitchFamily="34" charset="0"/>
+                <a:latin typeface="Segoe UI" panose="020B0502040204020203" pitchFamily="34" charset="0"/>
+                <a:cs typeface="Segoe UI" panose="020B0502040204020203" pitchFamily="34" charset="0"/>
               </a:rPr>
               <a:t>can happen </a:t>
             </a:r>
             <a:r>
               <a:rPr lang="en-US" sz="1050" dirty="0">
-                <a:latin typeface="Verdana" panose="020B0604030504040204" pitchFamily="34" charset="0"/>
+                <a:latin typeface="Segoe UI" panose="020B0502040204020203" pitchFamily="34" charset="0"/>
                 <a:ea typeface="Verdana" panose="020B0604030504040204" pitchFamily="34" charset="0"/>
                 <a:cs typeface="Segoe UI" panose="020B0502040204020203" pitchFamily="34" charset="0"/>
               </a:rPr>
@@ -6140,7 +6142,7 @@
             </a:r>
             <a:r>
               <a:rPr lang="en-US" sz="1050" i="1" dirty="0" err="1">
-                <a:latin typeface="Verdana" panose="020B0604030504040204" pitchFamily="34" charset="0"/>
+                <a:latin typeface="Segoe UI" panose="020B0502040204020203" pitchFamily="34" charset="0"/>
                 <a:ea typeface="Verdana" panose="020B0604030504040204" pitchFamily="34" charset="0"/>
                 <a:cs typeface="Segoe UI" panose="020B0502040204020203" pitchFamily="34" charset="0"/>
               </a:rPr>
@@ -6148,14 +6150,14 @@
             </a:r>
             <a:r>
               <a:rPr lang="en-US" sz="1050" dirty="0">
-                <a:latin typeface="Verdana" panose="020B0604030504040204" pitchFamily="34" charset="0"/>
+                <a:latin typeface="Segoe UI" panose="020B0502040204020203" pitchFamily="34" charset="0"/>
                 <a:ea typeface="Verdana" panose="020B0604030504040204" pitchFamily="34" charset="0"/>
                 <a:cs typeface="Segoe UI" panose="020B0502040204020203" pitchFamily="34" charset="0"/>
               </a:rPr>
               <a:t>)</a:t>
             </a:r>
             <a:endParaRPr lang="pt-BR" sz="1050" dirty="0">
-              <a:latin typeface="Verdana" panose="020B0604030504040204" pitchFamily="34" charset="0"/>
+              <a:latin typeface="Segoe UI" panose="020B0502040204020203" pitchFamily="34" charset="0"/>
               <a:ea typeface="Verdana" panose="020B0604030504040204" pitchFamily="34" charset="0"/>
               <a:cs typeface="Segoe UI" panose="020B0502040204020203" pitchFamily="34" charset="0"/>
             </a:endParaRPr>
@@ -6167,7 +6169,7 @@
             </a:pPr>
             <a:r>
               <a:rPr lang="pt-BR" sz="1050" dirty="0">
-                <a:latin typeface="Verdana" panose="020B0604030504040204" pitchFamily="34" charset="0"/>
+                <a:latin typeface="Segoe UI" panose="020B0502040204020203" pitchFamily="34" charset="0"/>
                 <a:ea typeface="Verdana" panose="020B0604030504040204" pitchFamily="34" charset="0"/>
                 <a:cs typeface="Segoe UI" panose="020B0502040204020203" pitchFamily="34" charset="0"/>
               </a:rPr>
@@ -6178,13 +6180,14 @@
                 <a:solidFill>
                   <a:srgbClr val="000000"/>
                 </a:solidFill>
-                <a:latin typeface="Verdana" panose="020B0604030504040204" pitchFamily="34" charset="0"/>
+                <a:latin typeface="Segoe UI" panose="020B0502040204020203" pitchFamily="34" charset="0"/>
+                <a:cs typeface="Segoe UI" panose="020B0502040204020203" pitchFamily="34" charset="0"/>
               </a:rPr>
               <a:t>can play </a:t>
             </a:r>
             <a:r>
               <a:rPr lang="pt-BR" sz="1050" dirty="0" err="1">
-                <a:latin typeface="Verdana" panose="020B0604030504040204" pitchFamily="34" charset="0"/>
+                <a:latin typeface="Segoe UI" panose="020B0502040204020203" pitchFamily="34" charset="0"/>
                 <a:ea typeface="Verdana" panose="020B0604030504040204" pitchFamily="34" charset="0"/>
                 <a:cs typeface="Segoe UI" panose="020B0502040204020203" pitchFamily="34" charset="0"/>
               </a:rPr>
@@ -6192,7 +6195,7 @@
             </a:r>
             <a:r>
               <a:rPr lang="pt-BR" sz="1050" dirty="0">
-                <a:latin typeface="Verdana" panose="020B0604030504040204" pitchFamily="34" charset="0"/>
+                <a:latin typeface="Segoe UI" panose="020B0502040204020203" pitchFamily="34" charset="0"/>
                 <a:ea typeface="Verdana" panose="020B0604030504040204" pitchFamily="34" charset="0"/>
                 <a:cs typeface="Segoe UI" panose="020B0502040204020203" pitchFamily="34" charset="0"/>
               </a:rPr>
@@ -6200,7 +6203,7 @@
             </a:r>
             <a:r>
               <a:rPr lang="pt-BR" sz="1050" i="1" dirty="0">
-                <a:latin typeface="Verdana" panose="020B0604030504040204" pitchFamily="34" charset="0"/>
+                <a:latin typeface="Segoe UI" panose="020B0502040204020203" pitchFamily="34" charset="0"/>
                 <a:ea typeface="Verdana" panose="020B0604030504040204" pitchFamily="34" charset="0"/>
                 <a:cs typeface="Segoe UI" panose="020B0502040204020203" pitchFamily="34" charset="0"/>
               </a:rPr>
@@ -6208,7 +6211,7 @@
             </a:r>
             <a:r>
               <a:rPr lang="pt-BR" sz="1050" dirty="0">
-                <a:latin typeface="Verdana" panose="020B0604030504040204" pitchFamily="34" charset="0"/>
+                <a:latin typeface="Segoe UI" panose="020B0502040204020203" pitchFamily="34" charset="0"/>
                 <a:ea typeface="Verdana" panose="020B0604030504040204" pitchFamily="34" charset="0"/>
                 <a:cs typeface="Segoe UI" panose="020B0502040204020203" pitchFamily="34" charset="0"/>
               </a:rPr>
@@ -6225,13 +6228,14 @@
                 <a:solidFill>
                   <a:srgbClr val="000000"/>
                 </a:solidFill>
-                <a:latin typeface="Verdana" panose="020B0604030504040204" pitchFamily="34" charset="0"/>
+                <a:latin typeface="Segoe UI" panose="020B0502040204020203" pitchFamily="34" charset="0"/>
+                <a:cs typeface="Segoe UI" panose="020B0502040204020203" pitchFamily="34" charset="0"/>
               </a:rPr>
               <a:t>Can I </a:t>
             </a:r>
             <a:r>
               <a:rPr lang="en-US" sz="1050" dirty="0">
-                <a:latin typeface="Verdana" panose="020B0604030504040204" pitchFamily="34" charset="0"/>
+                <a:latin typeface="Segoe UI" panose="020B0502040204020203" pitchFamily="34" charset="0"/>
                 <a:ea typeface="Verdana" panose="020B0604030504040204" pitchFamily="34" charset="0"/>
                 <a:cs typeface="Segoe UI" panose="020B0502040204020203" pitchFamily="34" charset="0"/>
               </a:rPr>
@@ -6239,7 +6243,7 @@
             </a:r>
             <a:r>
               <a:rPr lang="en-US" sz="1050" i="1" dirty="0" err="1">
-                <a:latin typeface="Verdana" panose="020B0604030504040204" pitchFamily="34" charset="0"/>
+                <a:latin typeface="Segoe UI" panose="020B0502040204020203" pitchFamily="34" charset="0"/>
                 <a:ea typeface="Verdana" panose="020B0604030504040204" pitchFamily="34" charset="0"/>
                 <a:cs typeface="Segoe UI" panose="020B0502040204020203" pitchFamily="34" charset="0"/>
               </a:rPr>
@@ -6247,7 +6251,7 @@
             </a:r>
             <a:r>
               <a:rPr lang="en-US" sz="1050" dirty="0">
-                <a:latin typeface="Verdana" panose="020B0604030504040204" pitchFamily="34" charset="0"/>
+                <a:latin typeface="Segoe UI" panose="020B0502040204020203" pitchFamily="34" charset="0"/>
                 <a:ea typeface="Verdana" panose="020B0604030504040204" pitchFamily="34" charset="0"/>
                 <a:cs typeface="Segoe UI" panose="020B0502040204020203" pitchFamily="34" charset="0"/>
               </a:rPr>
@@ -6261,7 +6265,7 @@
             </a:pPr>
             <a:r>
               <a:rPr lang="en-US" sz="1050" dirty="0">
-                <a:latin typeface="Verdana" panose="020B0604030504040204" pitchFamily="34" charset="0"/>
+                <a:latin typeface="Segoe UI" panose="020B0502040204020203" pitchFamily="34" charset="0"/>
                 <a:ea typeface="Verdana" panose="020B0604030504040204" pitchFamily="34" charset="0"/>
                 <a:cs typeface="Segoe UI" panose="020B0502040204020203" pitchFamily="34" charset="0"/>
               </a:rPr>
@@ -6272,13 +6276,14 @@
                 <a:solidFill>
                   <a:srgbClr val="000000"/>
                 </a:solidFill>
-                <a:latin typeface="Verdana" panose="020B0604030504040204" pitchFamily="34" charset="0"/>
+                <a:latin typeface="Segoe UI" panose="020B0502040204020203" pitchFamily="34" charset="0"/>
+                <a:cs typeface="Segoe UI" panose="020B0502040204020203" pitchFamily="34" charset="0"/>
               </a:rPr>
               <a:t>can help </a:t>
             </a:r>
             <a:r>
               <a:rPr lang="en-US" sz="1050" dirty="0">
-                <a:latin typeface="Verdana" panose="020B0604030504040204" pitchFamily="34" charset="0"/>
+                <a:latin typeface="Segoe UI" panose="020B0502040204020203" pitchFamily="34" charset="0"/>
                 <a:ea typeface="Verdana" panose="020B0604030504040204" pitchFamily="34" charset="0"/>
                 <a:cs typeface="Segoe UI" panose="020B0502040204020203" pitchFamily="34" charset="0"/>
               </a:rPr>
@@ -6286,7 +6291,7 @@
             </a:r>
             <a:r>
               <a:rPr lang="en-US" sz="1050" i="1" dirty="0" err="1">
-                <a:latin typeface="Verdana" panose="020B0604030504040204" pitchFamily="34" charset="0"/>
+                <a:latin typeface="Segoe UI" panose="020B0502040204020203" pitchFamily="34" charset="0"/>
                 <a:ea typeface="Verdana" panose="020B0604030504040204" pitchFamily="34" charset="0"/>
                 <a:cs typeface="Segoe UI" panose="020B0502040204020203" pitchFamily="34" charset="0"/>
               </a:rPr>
@@ -6294,7 +6299,7 @@
             </a:r>
             <a:r>
               <a:rPr lang="en-US" sz="1050" i="1" dirty="0">
-                <a:latin typeface="Verdana" panose="020B0604030504040204" pitchFamily="34" charset="0"/>
+                <a:latin typeface="Segoe UI" panose="020B0502040204020203" pitchFamily="34" charset="0"/>
                 <a:ea typeface="Verdana" panose="020B0604030504040204" pitchFamily="34" charset="0"/>
                 <a:cs typeface="Segoe UI" panose="020B0502040204020203" pitchFamily="34" charset="0"/>
               </a:rPr>
@@ -6302,7 +6307,7 @@
             </a:r>
             <a:r>
               <a:rPr lang="en-US" sz="1050" i="1" dirty="0" err="1">
-                <a:latin typeface="Verdana" panose="020B0604030504040204" pitchFamily="34" charset="0"/>
+                <a:latin typeface="Segoe UI" panose="020B0502040204020203" pitchFamily="34" charset="0"/>
                 <a:ea typeface="Verdana" panose="020B0604030504040204" pitchFamily="34" charset="0"/>
                 <a:cs typeface="Segoe UI" panose="020B0502040204020203" pitchFamily="34" charset="0"/>
               </a:rPr>
@@ -6310,14 +6315,14 @@
             </a:r>
             <a:r>
               <a:rPr lang="en-US" sz="1050" i="1" dirty="0">
-                <a:latin typeface="Verdana" panose="020B0604030504040204" pitchFamily="34" charset="0"/>
+                <a:latin typeface="Segoe UI" panose="020B0502040204020203" pitchFamily="34" charset="0"/>
                 <a:ea typeface="Verdana" panose="020B0604030504040204" pitchFamily="34" charset="0"/>
                 <a:cs typeface="Segoe UI" panose="020B0502040204020203" pitchFamily="34" charset="0"/>
               </a:rPr>
               <a:t>)</a:t>
             </a:r>
             <a:endParaRPr lang="en-US" sz="1050" dirty="0">
-              <a:latin typeface="Verdana" panose="020B0604030504040204" pitchFamily="34" charset="0"/>
+              <a:latin typeface="Segoe UI" panose="020B0502040204020203" pitchFamily="34" charset="0"/>
               <a:ea typeface="Verdana" panose="020B0604030504040204" pitchFamily="34" charset="0"/>
               <a:cs typeface="Segoe UI" panose="020B0502040204020203" pitchFamily="34" charset="0"/>
             </a:endParaRPr>
@@ -6329,7 +6334,7 @@
             </a:pPr>
             <a:r>
               <a:rPr lang="en-US" sz="1050" dirty="0">
-                <a:latin typeface="Verdana" panose="020B0604030504040204" pitchFamily="34" charset="0"/>
+                <a:latin typeface="Segoe UI" panose="020B0502040204020203" pitchFamily="34" charset="0"/>
                 <a:ea typeface="Verdana" panose="020B0604030504040204" pitchFamily="34" charset="0"/>
                 <a:cs typeface="Segoe UI" panose="020B0502040204020203" pitchFamily="34" charset="0"/>
               </a:rPr>
@@ -6340,13 +6345,14 @@
                 <a:solidFill>
                   <a:srgbClr val="000000"/>
                 </a:solidFill>
-                <a:latin typeface="Verdana" panose="020B0604030504040204" pitchFamily="34" charset="0"/>
+                <a:latin typeface="Segoe UI" panose="020B0502040204020203" pitchFamily="34" charset="0"/>
+                <a:cs typeface="Segoe UI" panose="020B0502040204020203" pitchFamily="34" charset="0"/>
               </a:rPr>
               <a:t>can drink </a:t>
             </a:r>
             <a:r>
               <a:rPr lang="en-US" sz="1050" dirty="0">
-                <a:latin typeface="Verdana" panose="020B0604030504040204" pitchFamily="34" charset="0"/>
+                <a:latin typeface="Segoe UI" panose="020B0502040204020203" pitchFamily="34" charset="0"/>
                 <a:ea typeface="Verdana" panose="020B0604030504040204" pitchFamily="34" charset="0"/>
                 <a:cs typeface="Segoe UI" panose="020B0502040204020203" pitchFamily="34" charset="0"/>
               </a:rPr>
@@ -6354,7 +6360,7 @@
             </a:r>
             <a:r>
               <a:rPr lang="en-US" sz="1050" dirty="0" err="1">
-                <a:latin typeface="Verdana" panose="020B0604030504040204" pitchFamily="34" charset="0"/>
+                <a:latin typeface="Segoe UI" panose="020B0502040204020203" pitchFamily="34" charset="0"/>
                 <a:ea typeface="Verdana" panose="020B0604030504040204" pitchFamily="34" charset="0"/>
                 <a:cs typeface="Segoe UI" panose="020B0502040204020203" pitchFamily="34" charset="0"/>
               </a:rPr>
@@ -6362,7 +6368,7 @@
             </a:r>
             <a:r>
               <a:rPr lang="en-US" sz="1050" dirty="0">
-                <a:latin typeface="Verdana" panose="020B0604030504040204" pitchFamily="34" charset="0"/>
+                <a:latin typeface="Segoe UI" panose="020B0502040204020203" pitchFamily="34" charset="0"/>
                 <a:ea typeface="Verdana" panose="020B0604030504040204" pitchFamily="34" charset="0"/>
                 <a:cs typeface="Segoe UI" panose="020B0502040204020203" pitchFamily="34" charset="0"/>
               </a:rPr>
@@ -6377,7 +6383,7 @@
           </a:p>
           <a:p>
             <a:r>
-              <a:rPr lang="pt-BR" sz="1100" b="1" dirty="0">
+              <a:rPr lang="pt-BR" sz="1050" b="1" dirty="0">
                 <a:solidFill>
                   <a:schemeClr val="accent1">
                     <a:lumMod val="50000"/>
@@ -6400,7 +6406,8 @@
                   <a:srgbClr val="000000"/>
                 </a:solidFill>
                 <a:effectLst/>
-                <a:latin typeface="Verdana" panose="020B0604030504040204" pitchFamily="34" charset="0"/>
+                <a:latin typeface="Segoe UI" panose="020B0502040204020203" pitchFamily="34" charset="0"/>
+                <a:cs typeface="Segoe UI" panose="020B0502040204020203" pitchFamily="34" charset="0"/>
               </a:rPr>
               <a:t>She </a:t>
             </a:r>
@@ -6409,7 +6416,8 @@
                 <a:solidFill>
                   <a:srgbClr val="000000"/>
                 </a:solidFill>
-                <a:latin typeface="Verdana" panose="020B0604030504040204" pitchFamily="34" charset="0"/>
+                <a:latin typeface="Segoe UI" panose="020B0502040204020203" pitchFamily="34" charset="0"/>
+                <a:cs typeface="Segoe UI" panose="020B0502040204020203" pitchFamily="34" charset="0"/>
               </a:rPr>
               <a:t>chose</a:t>
             </a:r>
@@ -6419,7 +6427,8 @@
                   <a:srgbClr val="000000"/>
                 </a:solidFill>
                 <a:effectLst/>
-                <a:latin typeface="Verdana" panose="020B0604030504040204" pitchFamily="34" charset="0"/>
+                <a:latin typeface="Segoe UI" panose="020B0502040204020203" pitchFamily="34" charset="0"/>
+                <a:cs typeface="Segoe UI" panose="020B0502040204020203" pitchFamily="34" charset="0"/>
               </a:rPr>
               <a:t> </a:t>
             </a:r>
@@ -6429,7 +6438,8 @@
                   <a:srgbClr val="000000"/>
                 </a:solidFill>
                 <a:effectLst/>
-                <a:latin typeface="Verdana" panose="020B0604030504040204" pitchFamily="34" charset="0"/>
+                <a:latin typeface="Segoe UI" panose="020B0502040204020203" pitchFamily="34" charset="0"/>
+                <a:cs typeface="Segoe UI" panose="020B0502040204020203" pitchFamily="34" charset="0"/>
               </a:rPr>
               <a:t>an</a:t>
             </a:r>
@@ -6439,7 +6449,8 @@
                   <a:srgbClr val="000000"/>
                 </a:solidFill>
                 <a:effectLst/>
-                <a:latin typeface="Verdana" panose="020B0604030504040204" pitchFamily="34" charset="0"/>
+                <a:latin typeface="Segoe UI" panose="020B0502040204020203" pitchFamily="34" charset="0"/>
+                <a:cs typeface="Segoe UI" panose="020B0502040204020203" pitchFamily="34" charset="0"/>
               </a:rPr>
               <a:t> academic career.</a:t>
             </a:r>
@@ -6454,7 +6465,8 @@
                 <a:solidFill>
                   <a:srgbClr val="000000"/>
                 </a:solidFill>
-                <a:latin typeface="Verdana" panose="020B0604030504040204" pitchFamily="34" charset="0"/>
+                <a:latin typeface="Segoe UI" panose="020B0502040204020203" pitchFamily="34" charset="0"/>
+                <a:cs typeface="Segoe UI" panose="020B0502040204020203" pitchFamily="34" charset="0"/>
               </a:rPr>
               <a:t>I need </a:t>
             </a:r>
@@ -6463,7 +6475,8 @@
                 <a:solidFill>
                   <a:srgbClr val="000000"/>
                 </a:solidFill>
-                <a:latin typeface="Verdana" panose="020B0604030504040204" pitchFamily="34" charset="0"/>
+                <a:latin typeface="Segoe UI" panose="020B0502040204020203" pitchFamily="34" charset="0"/>
+                <a:cs typeface="Segoe UI" panose="020B0502040204020203" pitchFamily="34" charset="0"/>
               </a:rPr>
               <a:t>to choose </a:t>
             </a:r>
@@ -6473,7 +6486,8 @@
                   <a:srgbClr val="000000"/>
                 </a:solidFill>
                 <a:effectLst/>
-                <a:latin typeface="Verdana" panose="020B0604030504040204" pitchFamily="34" charset="0"/>
+                <a:latin typeface="Segoe UI" panose="020B0502040204020203" pitchFamily="34" charset="0"/>
+                <a:cs typeface="Segoe UI" panose="020B0502040204020203" pitchFamily="34" charset="0"/>
               </a:rPr>
               <a:t>now</a:t>
             </a:r>
@@ -6483,7 +6497,8 @@
                   <a:srgbClr val="000000"/>
                 </a:solidFill>
                 <a:effectLst/>
-                <a:latin typeface="Verdana" panose="020B0604030504040204" pitchFamily="34" charset="0"/>
+                <a:latin typeface="Segoe UI" panose="020B0502040204020203" pitchFamily="34" charset="0"/>
+                <a:cs typeface="Segoe UI" panose="020B0502040204020203" pitchFamily="34" charset="0"/>
               </a:rPr>
               <a:t>.</a:t>
             </a:r>
@@ -6498,7 +6513,8 @@
                 <a:solidFill>
                   <a:srgbClr val="000000"/>
                 </a:solidFill>
-                <a:latin typeface="Verdana" panose="020B0604030504040204" pitchFamily="34" charset="0"/>
+                <a:latin typeface="Segoe UI" panose="020B0502040204020203" pitchFamily="34" charset="0"/>
+                <a:cs typeface="Segoe UI" panose="020B0502040204020203" pitchFamily="34" charset="0"/>
               </a:rPr>
               <a:t>Is he </a:t>
             </a:r>
@@ -6507,7 +6523,8 @@
                 <a:solidFill>
                   <a:srgbClr val="000000"/>
                 </a:solidFill>
-                <a:latin typeface="Verdana" panose="020B0604030504040204" pitchFamily="34" charset="0"/>
+                <a:latin typeface="Segoe UI" panose="020B0502040204020203" pitchFamily="34" charset="0"/>
+                <a:cs typeface="Segoe UI" panose="020B0502040204020203" pitchFamily="34" charset="0"/>
               </a:rPr>
               <a:t>going to choose </a:t>
             </a:r>
@@ -6517,7 +6534,8 @@
                   <a:srgbClr val="000000"/>
                 </a:solidFill>
                 <a:effectLst/>
-                <a:latin typeface="Verdana" panose="020B0604030504040204" pitchFamily="34" charset="0"/>
+                <a:latin typeface="Segoe UI" panose="020B0502040204020203" pitchFamily="34" charset="0"/>
+                <a:cs typeface="Segoe UI" panose="020B0502040204020203" pitchFamily="34" charset="0"/>
               </a:rPr>
               <a:t>right</a:t>
             </a:r>
@@ -6527,7 +6545,8 @@
                   <a:srgbClr val="000000"/>
                 </a:solidFill>
                 <a:effectLst/>
-                <a:latin typeface="Verdana" panose="020B0604030504040204" pitchFamily="34" charset="0"/>
+                <a:latin typeface="Segoe UI" panose="020B0502040204020203" pitchFamily="34" charset="0"/>
+                <a:cs typeface="Segoe UI" panose="020B0502040204020203" pitchFamily="34" charset="0"/>
               </a:rPr>
               <a:t>?</a:t>
             </a:r>
@@ -6543,7 +6562,8 @@
                   <a:srgbClr val="000000"/>
                 </a:solidFill>
                 <a:effectLst/>
-                <a:latin typeface="Verdana" panose="020B0604030504040204" pitchFamily="34" charset="0"/>
+                <a:latin typeface="Segoe UI" panose="020B0502040204020203" pitchFamily="34" charset="0"/>
+                <a:cs typeface="Segoe UI" panose="020B0502040204020203" pitchFamily="34" charset="0"/>
               </a:rPr>
               <a:t>I hope you </a:t>
             </a:r>
@@ -6552,7 +6572,8 @@
                 <a:solidFill>
                   <a:srgbClr val="000000"/>
                 </a:solidFill>
-                <a:latin typeface="Verdana" panose="020B0604030504040204" pitchFamily="34" charset="0"/>
+                <a:latin typeface="Segoe UI" panose="020B0502040204020203" pitchFamily="34" charset="0"/>
+                <a:cs typeface="Segoe UI" panose="020B0502040204020203" pitchFamily="34" charset="0"/>
               </a:rPr>
               <a:t>will choose </a:t>
             </a:r>
@@ -6562,7 +6583,8 @@
                   <a:srgbClr val="000000"/>
                 </a:solidFill>
                 <a:effectLst/>
-                <a:latin typeface="Verdana" panose="020B0604030504040204" pitchFamily="34" charset="0"/>
+                <a:latin typeface="Segoe UI" panose="020B0502040204020203" pitchFamily="34" charset="0"/>
+                <a:cs typeface="Segoe UI" panose="020B0502040204020203" pitchFamily="34" charset="0"/>
               </a:rPr>
               <a:t>a different path.</a:t>
             </a:r>
@@ -6577,7 +6599,8 @@
                 <a:solidFill>
                   <a:srgbClr val="000000"/>
                 </a:solidFill>
-                <a:latin typeface="Verdana" panose="020B0604030504040204" pitchFamily="34" charset="0"/>
+                <a:latin typeface="Segoe UI" panose="020B0502040204020203" pitchFamily="34" charset="0"/>
+                <a:cs typeface="Segoe UI" panose="020B0502040204020203" pitchFamily="34" charset="0"/>
               </a:rPr>
               <a:t>She </a:t>
             </a:r>
@@ -6586,7 +6609,8 @@
                 <a:solidFill>
                   <a:srgbClr val="000000"/>
                 </a:solidFill>
-                <a:latin typeface="Verdana" panose="020B0604030504040204" pitchFamily="34" charset="0"/>
+                <a:latin typeface="Segoe UI" panose="020B0502040204020203" pitchFamily="34" charset="0"/>
+                <a:cs typeface="Segoe UI" panose="020B0502040204020203" pitchFamily="34" charset="0"/>
               </a:rPr>
               <a:t>has chosen </a:t>
             </a:r>
@@ -6595,7 +6619,8 @@
                 <a:solidFill>
                   <a:srgbClr val="000000"/>
                 </a:solidFill>
-                <a:latin typeface="Verdana" panose="020B0604030504040204" pitchFamily="34" charset="0"/>
+                <a:latin typeface="Segoe UI" panose="020B0502040204020203" pitchFamily="34" charset="0"/>
+                <a:cs typeface="Segoe UI" panose="020B0502040204020203" pitchFamily="34" charset="0"/>
               </a:rPr>
               <a:t>this color for the party.</a:t>
             </a:r>
@@ -6611,7 +6636,8 @@
                   <a:srgbClr val="000000"/>
                 </a:solidFill>
                 <a:effectLst/>
-                <a:latin typeface="Verdana" panose="020B0604030504040204" pitchFamily="34" charset="0"/>
+                <a:latin typeface="Segoe UI" panose="020B0502040204020203" pitchFamily="34" charset="0"/>
+                <a:cs typeface="Segoe UI" panose="020B0502040204020203" pitchFamily="34" charset="0"/>
               </a:rPr>
               <a:t>I </a:t>
             </a:r>
@@ -6620,7 +6646,8 @@
                 <a:solidFill>
                   <a:srgbClr val="000000"/>
                 </a:solidFill>
-                <a:latin typeface="Verdana" panose="020B0604030504040204" pitchFamily="34" charset="0"/>
+                <a:latin typeface="Segoe UI" panose="020B0502040204020203" pitchFamily="34" charset="0"/>
+                <a:cs typeface="Segoe UI" panose="020B0502040204020203" pitchFamily="34" charset="0"/>
               </a:rPr>
               <a:t>cannot choose </a:t>
             </a:r>
@@ -6630,7 +6657,8 @@
                   <a:srgbClr val="000000"/>
                 </a:solidFill>
                 <a:effectLst/>
-                <a:latin typeface="Verdana" panose="020B0604030504040204" pitchFamily="34" charset="0"/>
+                <a:latin typeface="Segoe UI" panose="020B0502040204020203" pitchFamily="34" charset="0"/>
+                <a:cs typeface="Segoe UI" panose="020B0502040204020203" pitchFamily="34" charset="0"/>
               </a:rPr>
               <a:t>but wait.</a:t>
             </a:r>
@@ -6643,7 +6671,7 @@
           </a:p>
           <a:p>
             <a:r>
-              <a:rPr lang="pt-BR" sz="1100" b="1" dirty="0">
+              <a:rPr lang="pt-BR" sz="1050" b="1" dirty="0">
                 <a:solidFill>
                   <a:schemeClr val="accent1">
                     <a:lumMod val="50000"/>
@@ -6666,7 +6694,8 @@
                   <a:srgbClr val="000000"/>
                 </a:solidFill>
                 <a:effectLst/>
-                <a:latin typeface="Verdana" panose="020B0604030504040204" pitchFamily="34" charset="0"/>
+                <a:latin typeface="Segoe UI" panose="020B0502040204020203" pitchFamily="34" charset="0"/>
+                <a:cs typeface="Segoe UI" panose="020B0502040204020203" pitchFamily="34" charset="0"/>
               </a:rPr>
               <a:t>He </a:t>
             </a:r>
@@ -6676,7 +6705,8 @@
                   <a:srgbClr val="000000"/>
                 </a:solidFill>
                 <a:effectLst/>
-                <a:latin typeface="Verdana" panose="020B0604030504040204" pitchFamily="34" charset="0"/>
+                <a:latin typeface="Segoe UI" panose="020B0502040204020203" pitchFamily="34" charset="0"/>
+                <a:cs typeface="Segoe UI" panose="020B0502040204020203" pitchFamily="34" charset="0"/>
               </a:rPr>
               <a:t>cleaned</a:t>
             </a:r>
@@ -6686,7 +6716,8 @@
                   <a:srgbClr val="000000"/>
                 </a:solidFill>
                 <a:effectLst/>
-                <a:latin typeface="Verdana" panose="020B0604030504040204" pitchFamily="34" charset="0"/>
+                <a:latin typeface="Segoe UI" panose="020B0502040204020203" pitchFamily="34" charset="0"/>
+                <a:cs typeface="Segoe UI" panose="020B0502040204020203" pitchFamily="34" charset="0"/>
               </a:rPr>
               <a:t> the car with a rag.</a:t>
             </a:r>
@@ -6701,7 +6732,8 @@
                 <a:solidFill>
                   <a:srgbClr val="000000"/>
                 </a:solidFill>
-                <a:latin typeface="Verdana" panose="020B0604030504040204" pitchFamily="34" charset="0"/>
+                <a:latin typeface="Segoe UI" panose="020B0502040204020203" pitchFamily="34" charset="0"/>
+                <a:cs typeface="Segoe UI" panose="020B0502040204020203" pitchFamily="34" charset="0"/>
               </a:rPr>
               <a:t>You need </a:t>
             </a:r>
@@ -6710,7 +6742,8 @@
                 <a:solidFill>
                   <a:srgbClr val="000000"/>
                 </a:solidFill>
-                <a:latin typeface="Verdana" panose="020B0604030504040204" pitchFamily="34" charset="0"/>
+                <a:latin typeface="Segoe UI" panose="020B0502040204020203" pitchFamily="34" charset="0"/>
+                <a:cs typeface="Segoe UI" panose="020B0502040204020203" pitchFamily="34" charset="0"/>
               </a:rPr>
               <a:t>to clean </a:t>
             </a:r>
@@ -6719,7 +6752,8 @@
                 <a:solidFill>
                   <a:srgbClr val="000000"/>
                 </a:solidFill>
-                <a:latin typeface="Verdana" panose="020B0604030504040204" pitchFamily="34" charset="0"/>
+                <a:latin typeface="Segoe UI" panose="020B0502040204020203" pitchFamily="34" charset="0"/>
+                <a:cs typeface="Segoe UI" panose="020B0502040204020203" pitchFamily="34" charset="0"/>
               </a:rPr>
               <a:t>your </a:t>
             </a:r>
@@ -6728,7 +6762,8 @@
                 <a:solidFill>
                   <a:srgbClr val="000000"/>
                 </a:solidFill>
-                <a:latin typeface="Verdana" panose="020B0604030504040204" pitchFamily="34" charset="0"/>
+                <a:latin typeface="Segoe UI" panose="020B0502040204020203" pitchFamily="34" charset="0"/>
+                <a:cs typeface="Segoe UI" panose="020B0502040204020203" pitchFamily="34" charset="0"/>
               </a:rPr>
               <a:t>hands</a:t>
             </a:r>
@@ -6737,7 +6772,8 @@
                 <a:solidFill>
                   <a:srgbClr val="000000"/>
                 </a:solidFill>
-                <a:latin typeface="Verdana" panose="020B0604030504040204" pitchFamily="34" charset="0"/>
+                <a:latin typeface="Segoe UI" panose="020B0502040204020203" pitchFamily="34" charset="0"/>
+                <a:cs typeface="Segoe UI" panose="020B0502040204020203" pitchFamily="34" charset="0"/>
               </a:rPr>
               <a:t>.</a:t>
             </a:r>
@@ -6753,7 +6789,8 @@
                   <a:srgbClr val="000000"/>
                 </a:solidFill>
                 <a:effectLst/>
-                <a:latin typeface="Verdana" panose="020B0604030504040204" pitchFamily="34" charset="0"/>
+                <a:latin typeface="Segoe UI" panose="020B0502040204020203" pitchFamily="34" charset="0"/>
+                <a:cs typeface="Segoe UI" panose="020B0502040204020203" pitchFamily="34" charset="0"/>
               </a:rPr>
               <a:t>I'm </a:t>
             </a:r>
@@ -6763,7 +6800,8 @@
                   <a:srgbClr val="000000"/>
                 </a:solidFill>
                 <a:effectLst/>
-                <a:latin typeface="Verdana" panose="020B0604030504040204" pitchFamily="34" charset="0"/>
+                <a:latin typeface="Segoe UI" panose="020B0502040204020203" pitchFamily="34" charset="0"/>
+                <a:cs typeface="Segoe UI" panose="020B0502040204020203" pitchFamily="34" charset="0"/>
               </a:rPr>
               <a:t>going to clean</a:t>
             </a:r>
@@ -6773,7 +6811,8 @@
                   <a:srgbClr val="000000"/>
                 </a:solidFill>
                 <a:effectLst/>
-                <a:latin typeface="Verdana" panose="020B0604030504040204" pitchFamily="34" charset="0"/>
+                <a:latin typeface="Segoe UI" panose="020B0502040204020203" pitchFamily="34" charset="0"/>
+                <a:cs typeface="Segoe UI" panose="020B0502040204020203" pitchFamily="34" charset="0"/>
               </a:rPr>
               <a:t> the windows this morning.</a:t>
             </a:r>
@@ -6789,7 +6828,8 @@
                   <a:srgbClr val="000000"/>
                 </a:solidFill>
                 <a:effectLst/>
-                <a:latin typeface="Verdana" panose="020B0604030504040204" pitchFamily="34" charset="0"/>
+                <a:latin typeface="Segoe UI" panose="020B0502040204020203" pitchFamily="34" charset="0"/>
+                <a:cs typeface="Segoe UI" panose="020B0502040204020203" pitchFamily="34" charset="0"/>
               </a:rPr>
               <a:t>Tomorrow is Sunday. I </a:t>
             </a:r>
@@ -6799,7 +6839,8 @@
                   <a:srgbClr val="000000"/>
                 </a:solidFill>
                 <a:effectLst/>
-                <a:latin typeface="Verdana" panose="020B0604030504040204" pitchFamily="34" charset="0"/>
+                <a:latin typeface="Segoe UI" panose="020B0502040204020203" pitchFamily="34" charset="0"/>
+                <a:cs typeface="Segoe UI" panose="020B0502040204020203" pitchFamily="34" charset="0"/>
               </a:rPr>
               <a:t>will clean</a:t>
             </a:r>
@@ -6809,7 +6850,8 @@
                   <a:srgbClr val="000000"/>
                 </a:solidFill>
                 <a:effectLst/>
-                <a:latin typeface="Verdana" panose="020B0604030504040204" pitchFamily="34" charset="0"/>
+                <a:latin typeface="Segoe UI" panose="020B0502040204020203" pitchFamily="34" charset="0"/>
+                <a:cs typeface="Segoe UI" panose="020B0502040204020203" pitchFamily="34" charset="0"/>
               </a:rPr>
               <a:t> my dorm thoroughly.</a:t>
             </a:r>
@@ -6824,7 +6866,8 @@
                 <a:solidFill>
                   <a:srgbClr val="000000"/>
                 </a:solidFill>
-                <a:latin typeface="Verdana" panose="020B0604030504040204" pitchFamily="34" charset="0"/>
+                <a:latin typeface="Segoe UI" panose="020B0502040204020203" pitchFamily="34" charset="0"/>
+                <a:cs typeface="Segoe UI" panose="020B0502040204020203" pitchFamily="34" charset="0"/>
               </a:rPr>
               <a:t>I </a:t>
             </a:r>
@@ -6833,7 +6876,8 @@
                 <a:solidFill>
                   <a:srgbClr val="000000"/>
                 </a:solidFill>
-                <a:latin typeface="Verdana" panose="020B0604030504040204" pitchFamily="34" charset="0"/>
+                <a:latin typeface="Segoe UI" panose="020B0502040204020203" pitchFamily="34" charset="0"/>
+                <a:cs typeface="Segoe UI" panose="020B0502040204020203" pitchFamily="34" charset="0"/>
               </a:rPr>
               <a:t>have just </a:t>
             </a:r>
@@ -6842,7 +6886,8 @@
                 <a:solidFill>
                   <a:srgbClr val="000000"/>
                 </a:solidFill>
-                <a:latin typeface="Verdana" panose="020B0604030504040204" pitchFamily="34" charset="0"/>
+                <a:latin typeface="Segoe UI" panose="020B0502040204020203" pitchFamily="34" charset="0"/>
+                <a:cs typeface="Segoe UI" panose="020B0502040204020203" pitchFamily="34" charset="0"/>
               </a:rPr>
               <a:t>cleaned</a:t>
             </a:r>
@@ -6851,7 +6896,8 @@
                 <a:solidFill>
                   <a:srgbClr val="000000"/>
                 </a:solidFill>
-                <a:latin typeface="Verdana" panose="020B0604030504040204" pitchFamily="34" charset="0"/>
+                <a:latin typeface="Segoe UI" panose="020B0502040204020203" pitchFamily="34" charset="0"/>
+                <a:cs typeface="Segoe UI" panose="020B0502040204020203" pitchFamily="34" charset="0"/>
               </a:rPr>
               <a:t> </a:t>
             </a:r>
@@ -6860,7 +6906,8 @@
                 <a:solidFill>
                   <a:srgbClr val="000000"/>
                 </a:solidFill>
-                <a:latin typeface="Verdana" panose="020B0604030504040204" pitchFamily="34" charset="0"/>
+                <a:latin typeface="Segoe UI" panose="020B0502040204020203" pitchFamily="34" charset="0"/>
+                <a:cs typeface="Segoe UI" panose="020B0502040204020203" pitchFamily="34" charset="0"/>
               </a:rPr>
               <a:t>the </a:t>
             </a:r>
@@ -6869,7 +6916,8 @@
                 <a:solidFill>
                   <a:srgbClr val="000000"/>
                 </a:solidFill>
-                <a:latin typeface="Verdana" panose="020B0604030504040204" pitchFamily="34" charset="0"/>
+                <a:latin typeface="Segoe UI" panose="020B0502040204020203" pitchFamily="34" charset="0"/>
+                <a:cs typeface="Segoe UI" panose="020B0502040204020203" pitchFamily="34" charset="0"/>
               </a:rPr>
               <a:t>house</a:t>
             </a:r>
@@ -6878,7 +6926,8 @@
                 <a:solidFill>
                   <a:srgbClr val="000000"/>
                 </a:solidFill>
-                <a:latin typeface="Verdana" panose="020B0604030504040204" pitchFamily="34" charset="0"/>
+                <a:latin typeface="Segoe UI" panose="020B0502040204020203" pitchFamily="34" charset="0"/>
+                <a:cs typeface="Segoe UI" panose="020B0502040204020203" pitchFamily="34" charset="0"/>
               </a:rPr>
               <a:t>.</a:t>
             </a:r>
@@ -6894,7 +6943,8 @@
                   <a:srgbClr val="000000"/>
                 </a:solidFill>
                 <a:effectLst/>
-                <a:latin typeface="Verdana" panose="020B0604030504040204" pitchFamily="34" charset="0"/>
+                <a:latin typeface="Segoe UI" panose="020B0502040204020203" pitchFamily="34" charset="0"/>
+                <a:cs typeface="Segoe UI" panose="020B0502040204020203" pitchFamily="34" charset="0"/>
               </a:rPr>
               <a:t>The city </a:t>
             </a:r>
@@ -6904,7 +6954,8 @@
                   <a:srgbClr val="000000"/>
                 </a:solidFill>
                 <a:effectLst/>
-                <a:latin typeface="Verdana" panose="020B0604030504040204" pitchFamily="34" charset="0"/>
+                <a:latin typeface="Segoe UI" panose="020B0502040204020203" pitchFamily="34" charset="0"/>
+                <a:cs typeface="Segoe UI" panose="020B0502040204020203" pitchFamily="34" charset="0"/>
               </a:rPr>
               <a:t>should clean</a:t>
             </a:r>
@@ -6914,7 +6965,8 @@
                   <a:srgbClr val="000000"/>
                 </a:solidFill>
                 <a:effectLst/>
-                <a:latin typeface="Verdana" panose="020B0604030504040204" pitchFamily="34" charset="0"/>
+                <a:latin typeface="Segoe UI" panose="020B0502040204020203" pitchFamily="34" charset="0"/>
+                <a:cs typeface="Segoe UI" panose="020B0502040204020203" pitchFamily="34" charset="0"/>
               </a:rPr>
               <a:t> the streets more often.</a:t>
             </a:r>
@@ -6931,7 +6983,7 @@
           </a:p>
           <a:p>
             <a:r>
-              <a:rPr lang="pt-BR" sz="1100" b="1" dirty="0">
+              <a:rPr lang="pt-BR" sz="1050" b="1" dirty="0">
                 <a:solidFill>
                   <a:schemeClr val="accent1">
                     <a:lumMod val="50000"/>
@@ -6954,7 +7006,8 @@
                   <a:srgbClr val="000000"/>
                 </a:solidFill>
                 <a:effectLst/>
-                <a:latin typeface="Verdana" panose="020B0604030504040204" pitchFamily="34" charset="0"/>
+                <a:latin typeface="Segoe UI" panose="020B0502040204020203" pitchFamily="34" charset="0"/>
+                <a:cs typeface="Segoe UI" panose="020B0502040204020203" pitchFamily="34" charset="0"/>
               </a:rPr>
               <a:t>I </a:t>
             </a:r>
@@ -6964,7 +7017,8 @@
                   <a:srgbClr val="000000"/>
                 </a:solidFill>
                 <a:effectLst/>
-                <a:latin typeface="Verdana" panose="020B0604030504040204" pitchFamily="34" charset="0"/>
+                <a:latin typeface="Segoe UI" panose="020B0502040204020203" pitchFamily="34" charset="0"/>
+                <a:cs typeface="Segoe UI" panose="020B0502040204020203" pitchFamily="34" charset="0"/>
               </a:rPr>
               <a:t>closed</a:t>
             </a:r>
@@ -6974,7 +7028,8 @@
                   <a:srgbClr val="000000"/>
                 </a:solidFill>
                 <a:effectLst/>
-                <a:latin typeface="Verdana" panose="020B0604030504040204" pitchFamily="34" charset="0"/>
+                <a:latin typeface="Segoe UI" panose="020B0502040204020203" pitchFamily="34" charset="0"/>
+                <a:cs typeface="Segoe UI" panose="020B0502040204020203" pitchFamily="34" charset="0"/>
               </a:rPr>
               <a:t> my eyes against the bright light.</a:t>
             </a:r>
@@ -6989,7 +7044,8 @@
                 <a:solidFill>
                   <a:srgbClr val="000000"/>
                 </a:solidFill>
-                <a:latin typeface="Verdana" panose="020B0604030504040204" pitchFamily="34" charset="0"/>
+                <a:latin typeface="Segoe UI" panose="020B0502040204020203" pitchFamily="34" charset="0"/>
+                <a:cs typeface="Segoe UI" panose="020B0502040204020203" pitchFamily="34" charset="0"/>
               </a:rPr>
               <a:t>She always </a:t>
             </a:r>
@@ -6998,7 +7054,8 @@
                 <a:solidFill>
                   <a:srgbClr val="000000"/>
                 </a:solidFill>
-                <a:latin typeface="Verdana" panose="020B0604030504040204" pitchFamily="34" charset="0"/>
+                <a:latin typeface="Segoe UI" panose="020B0502040204020203" pitchFamily="34" charset="0"/>
+                <a:cs typeface="Segoe UI" panose="020B0502040204020203" pitchFamily="34" charset="0"/>
               </a:rPr>
               <a:t>closes</a:t>
             </a:r>
@@ -7007,7 +7064,8 @@
                 <a:solidFill>
                   <a:srgbClr val="000000"/>
                 </a:solidFill>
-                <a:latin typeface="Verdana" panose="020B0604030504040204" pitchFamily="34" charset="0"/>
+                <a:latin typeface="Segoe UI" panose="020B0502040204020203" pitchFamily="34" charset="0"/>
+                <a:cs typeface="Segoe UI" panose="020B0502040204020203" pitchFamily="34" charset="0"/>
               </a:rPr>
               <a:t> the book.</a:t>
             </a:r>
@@ -7023,7 +7081,8 @@
                   <a:srgbClr val="000000"/>
                 </a:solidFill>
                 <a:effectLst/>
-                <a:latin typeface="Verdana" panose="020B0604030504040204" pitchFamily="34" charset="0"/>
+                <a:latin typeface="Segoe UI" panose="020B0502040204020203" pitchFamily="34" charset="0"/>
+                <a:cs typeface="Segoe UI" panose="020B0502040204020203" pitchFamily="34" charset="0"/>
               </a:rPr>
               <a:t>I'm </a:t>
             </a:r>
@@ -7033,7 +7092,8 @@
                   <a:srgbClr val="000000"/>
                 </a:solidFill>
                 <a:effectLst/>
-                <a:latin typeface="Verdana" panose="020B0604030504040204" pitchFamily="34" charset="0"/>
+                <a:latin typeface="Segoe UI" panose="020B0502040204020203" pitchFamily="34" charset="0"/>
+                <a:cs typeface="Segoe UI" panose="020B0502040204020203" pitchFamily="34" charset="0"/>
               </a:rPr>
               <a:t>going to close</a:t>
             </a:r>
@@ -7043,7 +7103,8 @@
                   <a:srgbClr val="000000"/>
                 </a:solidFill>
                 <a:effectLst/>
-                <a:latin typeface="Verdana" panose="020B0604030504040204" pitchFamily="34" charset="0"/>
+                <a:latin typeface="Segoe UI" panose="020B0502040204020203" pitchFamily="34" charset="0"/>
+                <a:cs typeface="Segoe UI" panose="020B0502040204020203" pitchFamily="34" charset="0"/>
               </a:rPr>
               <a:t> the window, if you don't mind.</a:t>
             </a:r>
@@ -7059,7 +7120,8 @@
                   <a:srgbClr val="000000"/>
                 </a:solidFill>
                 <a:effectLst/>
-                <a:latin typeface="Verdana" panose="020B0604030504040204" pitchFamily="34" charset="0"/>
+                <a:latin typeface="Segoe UI" panose="020B0502040204020203" pitchFamily="34" charset="0"/>
+                <a:cs typeface="Segoe UI" panose="020B0502040204020203" pitchFamily="34" charset="0"/>
               </a:rPr>
               <a:t>This office </a:t>
             </a:r>
@@ -7069,7 +7131,8 @@
                   <a:srgbClr val="000000"/>
                 </a:solidFill>
                 <a:effectLst/>
-                <a:latin typeface="Verdana" panose="020B0604030504040204" pitchFamily="34" charset="0"/>
+                <a:latin typeface="Segoe UI" panose="020B0502040204020203" pitchFamily="34" charset="0"/>
+                <a:cs typeface="Segoe UI" panose="020B0502040204020203" pitchFamily="34" charset="0"/>
               </a:rPr>
               <a:t>will close</a:t>
             </a:r>
@@ -7079,7 +7142,8 @@
                   <a:srgbClr val="000000"/>
                 </a:solidFill>
                 <a:effectLst/>
-                <a:latin typeface="Verdana" panose="020B0604030504040204" pitchFamily="34" charset="0"/>
+                <a:latin typeface="Segoe UI" panose="020B0502040204020203" pitchFamily="34" charset="0"/>
+                <a:cs typeface="Segoe UI" panose="020B0502040204020203" pitchFamily="34" charset="0"/>
               </a:rPr>
               <a:t> at 5 o'clock until further notice.</a:t>
             </a:r>
@@ -7095,7 +7159,8 @@
                   <a:srgbClr val="000000"/>
                 </a:solidFill>
                 <a:effectLst/>
-                <a:latin typeface="Verdana" panose="020B0604030504040204" pitchFamily="34" charset="0"/>
+                <a:latin typeface="Segoe UI" panose="020B0502040204020203" pitchFamily="34" charset="0"/>
+                <a:cs typeface="Segoe UI" panose="020B0502040204020203" pitchFamily="34" charset="0"/>
               </a:rPr>
               <a:t> Police </a:t>
             </a:r>
@@ -7105,7 +7170,8 @@
                   <a:srgbClr val="000000"/>
                 </a:solidFill>
                 <a:effectLst/>
-                <a:latin typeface="Verdana" panose="020B0604030504040204" pitchFamily="34" charset="0"/>
+                <a:latin typeface="Segoe UI" panose="020B0502040204020203" pitchFamily="34" charset="0"/>
+                <a:cs typeface="Segoe UI" panose="020B0502040204020203" pitchFamily="34" charset="0"/>
               </a:rPr>
               <a:t>have closed</a:t>
             </a:r>
@@ -7115,7 +7181,8 @@
                   <a:srgbClr val="000000"/>
                 </a:solidFill>
                 <a:effectLst/>
-                <a:latin typeface="Verdana" panose="020B0604030504040204" pitchFamily="34" charset="0"/>
+                <a:latin typeface="Segoe UI" panose="020B0502040204020203" pitchFamily="34" charset="0"/>
+                <a:cs typeface="Segoe UI" panose="020B0502040204020203" pitchFamily="34" charset="0"/>
               </a:rPr>
               <a:t> the area off to traffic.</a:t>
             </a:r>
@@ -7131,7 +7198,8 @@
                   <a:srgbClr val="000000"/>
                 </a:solidFill>
                 <a:effectLst/>
-                <a:latin typeface="Verdana" panose="020B0604030504040204" pitchFamily="34" charset="0"/>
+                <a:latin typeface="Segoe UI" panose="020B0502040204020203" pitchFamily="34" charset="0"/>
+                <a:cs typeface="Segoe UI" panose="020B0502040204020203" pitchFamily="34" charset="0"/>
               </a:rPr>
               <a:t>To draw, you </a:t>
             </a:r>
@@ -7141,7 +7209,8 @@
                   <a:srgbClr val="000000"/>
                 </a:solidFill>
                 <a:effectLst/>
-                <a:latin typeface="Verdana" panose="020B0604030504040204" pitchFamily="34" charset="0"/>
+                <a:latin typeface="Segoe UI" panose="020B0502040204020203" pitchFamily="34" charset="0"/>
+                <a:cs typeface="Segoe UI" panose="020B0502040204020203" pitchFamily="34" charset="0"/>
               </a:rPr>
               <a:t>must close</a:t>
             </a:r>
@@ -7151,7 +7220,8 @@
                   <a:srgbClr val="000000"/>
                 </a:solidFill>
                 <a:effectLst/>
-                <a:latin typeface="Verdana" panose="020B0604030504040204" pitchFamily="34" charset="0"/>
+                <a:latin typeface="Segoe UI" panose="020B0502040204020203" pitchFamily="34" charset="0"/>
+                <a:cs typeface="Segoe UI" panose="020B0502040204020203" pitchFamily="34" charset="0"/>
               </a:rPr>
               <a:t> your eyes and sing.</a:t>
             </a:r>
@@ -7177,7 +7247,7 @@
         <p:spPr>
           <a:xfrm>
             <a:off x="3395201" y="1834535"/>
-            <a:ext cx="3126296" cy="7363554"/>
+            <a:ext cx="3126296" cy="6755696"/>
           </a:xfrm>
           <a:prstGeom prst="rect">
             <a:avLst/>
@@ -7221,7 +7291,8 @@
                   <a:srgbClr val="000000"/>
                 </a:solidFill>
                 <a:effectLst/>
-                <a:latin typeface="Verdana" panose="020B0604030504040204" pitchFamily="34" charset="0"/>
+                <a:latin typeface="Segoe UI" panose="020B0502040204020203" pitchFamily="34" charset="0"/>
+                <a:cs typeface="Segoe UI" panose="020B0502040204020203" pitchFamily="34" charset="0"/>
               </a:rPr>
               <a:t>All good things </a:t>
             </a:r>
@@ -7231,7 +7302,8 @@
                   <a:srgbClr val="000000"/>
                 </a:solidFill>
                 <a:effectLst/>
-                <a:latin typeface="Verdana" panose="020B0604030504040204" pitchFamily="34" charset="0"/>
+                <a:latin typeface="Segoe UI" panose="020B0502040204020203" pitchFamily="34" charset="0"/>
+                <a:cs typeface="Segoe UI" panose="020B0502040204020203" pitchFamily="34" charset="0"/>
               </a:rPr>
               <a:t>came</a:t>
             </a:r>
@@ -7241,7 +7313,8 @@
                   <a:srgbClr val="000000"/>
                 </a:solidFill>
                 <a:effectLst/>
-                <a:latin typeface="Verdana" panose="020B0604030504040204" pitchFamily="34" charset="0"/>
+                <a:latin typeface="Segoe UI" panose="020B0502040204020203" pitchFamily="34" charset="0"/>
+                <a:cs typeface="Segoe UI" panose="020B0502040204020203" pitchFamily="34" charset="0"/>
               </a:rPr>
               <a:t> to an end.</a:t>
             </a:r>
@@ -7257,7 +7330,8 @@
                   <a:srgbClr val="000000"/>
                 </a:solidFill>
                 <a:effectLst/>
-                <a:latin typeface="Verdana" panose="020B0604030504040204" pitchFamily="34" charset="0"/>
+                <a:latin typeface="Segoe UI" panose="020B0502040204020203" pitchFamily="34" charset="0"/>
+                <a:cs typeface="Segoe UI" panose="020B0502040204020203" pitchFamily="34" charset="0"/>
               </a:rPr>
               <a:t>Good things </a:t>
             </a:r>
@@ -7267,7 +7341,8 @@
                   <a:srgbClr val="000000"/>
                 </a:solidFill>
                 <a:effectLst/>
-                <a:latin typeface="Verdana" panose="020B0604030504040204" pitchFamily="34" charset="0"/>
+                <a:latin typeface="Segoe UI" panose="020B0502040204020203" pitchFamily="34" charset="0"/>
+                <a:cs typeface="Segoe UI" panose="020B0502040204020203" pitchFamily="34" charset="0"/>
               </a:rPr>
               <a:t>come</a:t>
             </a:r>
@@ -7277,7 +7352,8 @@
                   <a:srgbClr val="000000"/>
                 </a:solidFill>
                 <a:effectLst/>
-                <a:latin typeface="Verdana" panose="020B0604030504040204" pitchFamily="34" charset="0"/>
+                <a:latin typeface="Segoe UI" panose="020B0502040204020203" pitchFamily="34" charset="0"/>
+                <a:cs typeface="Segoe UI" panose="020B0502040204020203" pitchFamily="34" charset="0"/>
               </a:rPr>
               <a:t> to those who wait.</a:t>
             </a:r>
@@ -7293,7 +7369,8 @@
                   <a:srgbClr val="000000"/>
                 </a:solidFill>
                 <a:effectLst/>
-                <a:latin typeface="Verdana" panose="020B0604030504040204" pitchFamily="34" charset="0"/>
+                <a:latin typeface="Segoe UI" panose="020B0502040204020203" pitchFamily="34" charset="0"/>
+                <a:cs typeface="Segoe UI" panose="020B0502040204020203" pitchFamily="34" charset="0"/>
               </a:rPr>
               <a:t>'Are you </a:t>
             </a:r>
@@ -7303,7 +7380,8 @@
                   <a:srgbClr val="000000"/>
                 </a:solidFill>
                 <a:effectLst/>
-                <a:latin typeface="Verdana" panose="020B0604030504040204" pitchFamily="34" charset="0"/>
+                <a:latin typeface="Segoe UI" panose="020B0502040204020203" pitchFamily="34" charset="0"/>
+                <a:cs typeface="Segoe UI" panose="020B0502040204020203" pitchFamily="34" charset="0"/>
               </a:rPr>
               <a:t>going to come</a:t>
             </a:r>
@@ -7313,7 +7391,8 @@
                   <a:srgbClr val="000000"/>
                 </a:solidFill>
                 <a:effectLst/>
-                <a:latin typeface="Verdana" panose="020B0604030504040204" pitchFamily="34" charset="0"/>
+                <a:latin typeface="Segoe UI" panose="020B0502040204020203" pitchFamily="34" charset="0"/>
+                <a:cs typeface="Segoe UI" panose="020B0502040204020203" pitchFamily="34" charset="0"/>
               </a:rPr>
               <a:t>?</a:t>
             </a:r>
@@ -7329,7 +7408,8 @@
                   <a:srgbClr val="000000"/>
                 </a:solidFill>
                 <a:effectLst/>
-                <a:latin typeface="Verdana" panose="020B0604030504040204" pitchFamily="34" charset="0"/>
+                <a:latin typeface="Segoe UI" panose="020B0502040204020203" pitchFamily="34" charset="0"/>
+                <a:cs typeface="Segoe UI" panose="020B0502040204020203" pitchFamily="34" charset="0"/>
               </a:rPr>
               <a:t>It is unlikely that she </a:t>
             </a:r>
@@ -7339,7 +7419,8 @@
                   <a:srgbClr val="000000"/>
                 </a:solidFill>
                 <a:effectLst/>
-                <a:latin typeface="Verdana" panose="020B0604030504040204" pitchFamily="34" charset="0"/>
+                <a:latin typeface="Segoe UI" panose="020B0502040204020203" pitchFamily="34" charset="0"/>
+                <a:cs typeface="Segoe UI" panose="020B0502040204020203" pitchFamily="34" charset="0"/>
               </a:rPr>
               <a:t>will come</a:t>
             </a:r>
@@ -7349,7 +7430,8 @@
                   <a:srgbClr val="000000"/>
                 </a:solidFill>
                 <a:effectLst/>
-                <a:latin typeface="Verdana" panose="020B0604030504040204" pitchFamily="34" charset="0"/>
+                <a:latin typeface="Segoe UI" panose="020B0502040204020203" pitchFamily="34" charset="0"/>
+                <a:cs typeface="Segoe UI" panose="020B0502040204020203" pitchFamily="34" charset="0"/>
               </a:rPr>
               <a:t>.</a:t>
             </a:r>
@@ -7365,7 +7447,8 @@
                   <a:srgbClr val="000000"/>
                 </a:solidFill>
                 <a:effectLst/>
-                <a:latin typeface="Verdana" panose="020B0604030504040204" pitchFamily="34" charset="0"/>
+                <a:latin typeface="Segoe UI" panose="020B0502040204020203" pitchFamily="34" charset="0"/>
+                <a:cs typeface="Segoe UI" panose="020B0502040204020203" pitchFamily="34" charset="0"/>
               </a:rPr>
               <a:t>I </a:t>
             </a:r>
@@ -7375,7 +7458,8 @@
                   <a:srgbClr val="000000"/>
                 </a:solidFill>
                 <a:effectLst/>
-                <a:latin typeface="Verdana" panose="020B0604030504040204" pitchFamily="34" charset="0"/>
+                <a:latin typeface="Segoe UI" panose="020B0502040204020203" pitchFamily="34" charset="0"/>
+                <a:cs typeface="Segoe UI" panose="020B0502040204020203" pitchFamily="34" charset="0"/>
               </a:rPr>
               <a:t>have come</a:t>
             </a:r>
@@ -7385,7 +7469,8 @@
                   <a:srgbClr val="000000"/>
                 </a:solidFill>
                 <a:effectLst/>
-                <a:latin typeface="Verdana" panose="020B0604030504040204" pitchFamily="34" charset="0"/>
+                <a:latin typeface="Segoe UI" panose="020B0502040204020203" pitchFamily="34" charset="0"/>
+                <a:cs typeface="Segoe UI" panose="020B0502040204020203" pitchFamily="34" charset="0"/>
               </a:rPr>
               <a:t> to apologize to you.</a:t>
             </a:r>
@@ -7401,7 +7486,8 @@
                   <a:srgbClr val="000000"/>
                 </a:solidFill>
                 <a:effectLst/>
-                <a:latin typeface="Verdana" panose="020B0604030504040204" pitchFamily="34" charset="0"/>
+                <a:latin typeface="Segoe UI" panose="020B0502040204020203" pitchFamily="34" charset="0"/>
+                <a:cs typeface="Segoe UI" panose="020B0502040204020203" pitchFamily="34" charset="0"/>
               </a:rPr>
               <a:t>I </a:t>
             </a:r>
@@ -7411,7 +7497,8 @@
                   <a:srgbClr val="000000"/>
                 </a:solidFill>
                 <a:effectLst/>
-                <a:latin typeface="Verdana" panose="020B0604030504040204" pitchFamily="34" charset="0"/>
+                <a:latin typeface="Segoe UI" panose="020B0502040204020203" pitchFamily="34" charset="0"/>
+                <a:cs typeface="Segoe UI" panose="020B0502040204020203" pitchFamily="34" charset="0"/>
               </a:rPr>
               <a:t>could come</a:t>
             </a:r>
@@ -7421,7 +7508,8 @@
                   <a:srgbClr val="000000"/>
                 </a:solidFill>
                 <a:effectLst/>
-                <a:latin typeface="Verdana" panose="020B0604030504040204" pitchFamily="34" charset="0"/>
+                <a:latin typeface="Segoe UI" panose="020B0502040204020203" pitchFamily="34" charset="0"/>
+                <a:cs typeface="Segoe UI" panose="020B0502040204020203" pitchFamily="34" charset="0"/>
               </a:rPr>
               <a:t> next week, or the week after.</a:t>
             </a:r>
@@ -7472,7 +7560,8 @@
                   <a:srgbClr val="000000"/>
                 </a:solidFill>
                 <a:effectLst/>
-                <a:latin typeface="Verdana" panose="020B0604030504040204" pitchFamily="34" charset="0"/>
+                <a:latin typeface="Segoe UI" panose="020B0502040204020203" pitchFamily="34" charset="0"/>
+                <a:cs typeface="Segoe UI" panose="020B0502040204020203" pitchFamily="34" charset="0"/>
               </a:rPr>
               <a:t>I </a:t>
             </a:r>
@@ -7482,7 +7571,8 @@
                   <a:srgbClr val="000000"/>
                 </a:solidFill>
                 <a:effectLst/>
-                <a:latin typeface="Verdana" panose="020B0604030504040204" pitchFamily="34" charset="0"/>
+                <a:latin typeface="Segoe UI" panose="020B0502040204020203" pitchFamily="34" charset="0"/>
+                <a:cs typeface="Segoe UI" panose="020B0502040204020203" pitchFamily="34" charset="0"/>
               </a:rPr>
               <a:t>cooked</a:t>
             </a:r>
@@ -7492,7 +7582,8 @@
                   <a:srgbClr val="000000"/>
                 </a:solidFill>
                 <a:effectLst/>
-                <a:latin typeface="Verdana" panose="020B0604030504040204" pitchFamily="34" charset="0"/>
+                <a:latin typeface="Segoe UI" panose="020B0502040204020203" pitchFamily="34" charset="0"/>
+                <a:cs typeface="Segoe UI" panose="020B0502040204020203" pitchFamily="34" charset="0"/>
               </a:rPr>
               <a:t> lunch. And I made a cake.</a:t>
             </a:r>
@@ -7508,7 +7599,8 @@
                   <a:srgbClr val="000000"/>
                 </a:solidFill>
                 <a:effectLst/>
-                <a:latin typeface="Verdana" panose="020B0604030504040204" pitchFamily="34" charset="0"/>
+                <a:latin typeface="Segoe UI" panose="020B0502040204020203" pitchFamily="34" charset="0"/>
+                <a:cs typeface="Segoe UI" panose="020B0502040204020203" pitchFamily="34" charset="0"/>
               </a:rPr>
               <a:t>She </a:t>
             </a:r>
@@ -7518,7 +7610,8 @@
                   <a:srgbClr val="000000"/>
                 </a:solidFill>
                 <a:effectLst/>
-                <a:latin typeface="Verdana" panose="020B0604030504040204" pitchFamily="34" charset="0"/>
+                <a:latin typeface="Segoe UI" panose="020B0502040204020203" pitchFamily="34" charset="0"/>
+                <a:cs typeface="Segoe UI" panose="020B0502040204020203" pitchFamily="34" charset="0"/>
               </a:rPr>
               <a:t>cooks</a:t>
             </a:r>
@@ -7528,7 +7621,8 @@
                   <a:srgbClr val="000000"/>
                 </a:solidFill>
                 <a:effectLst/>
-                <a:latin typeface="Verdana" panose="020B0604030504040204" pitchFamily="34" charset="0"/>
+                <a:latin typeface="Segoe UI" panose="020B0502040204020203" pitchFamily="34" charset="0"/>
+                <a:cs typeface="Segoe UI" panose="020B0502040204020203" pitchFamily="34" charset="0"/>
               </a:rPr>
               <a:t> everyday</a:t>
             </a:r>
@@ -7537,7 +7631,8 @@
                 <a:solidFill>
                   <a:srgbClr val="000000"/>
                 </a:solidFill>
-                <a:latin typeface="Verdana" panose="020B0604030504040204" pitchFamily="34" charset="0"/>
+                <a:latin typeface="Segoe UI" panose="020B0502040204020203" pitchFamily="34" charset="0"/>
+                <a:cs typeface="Segoe UI" panose="020B0502040204020203" pitchFamily="34" charset="0"/>
               </a:rPr>
               <a:t>.</a:t>
             </a:r>
@@ -7546,7 +7641,8 @@
                 <a:srgbClr val="000000"/>
               </a:solidFill>
               <a:effectLst/>
-              <a:latin typeface="Verdana" panose="020B0604030504040204" pitchFamily="34" charset="0"/>
+              <a:latin typeface="Segoe UI" panose="020B0502040204020203" pitchFamily="34" charset="0"/>
+              <a:cs typeface="Segoe UI" panose="020B0502040204020203" pitchFamily="34" charset="0"/>
             </a:endParaRPr>
           </a:p>
           <a:p>
@@ -7560,7 +7656,8 @@
                   <a:srgbClr val="000000"/>
                 </a:solidFill>
                 <a:effectLst/>
-                <a:latin typeface="Verdana" panose="020B0604030504040204" pitchFamily="34" charset="0"/>
+                <a:latin typeface="Segoe UI" panose="020B0502040204020203" pitchFamily="34" charset="0"/>
+                <a:cs typeface="Segoe UI" panose="020B0502040204020203" pitchFamily="34" charset="0"/>
               </a:rPr>
               <a:t>Who's </a:t>
             </a:r>
@@ -7570,7 +7667,8 @@
                   <a:srgbClr val="000000"/>
                 </a:solidFill>
                 <a:effectLst/>
-                <a:latin typeface="Verdana" panose="020B0604030504040204" pitchFamily="34" charset="0"/>
+                <a:latin typeface="Segoe UI" panose="020B0502040204020203" pitchFamily="34" charset="0"/>
+                <a:cs typeface="Segoe UI" panose="020B0502040204020203" pitchFamily="34" charset="0"/>
               </a:rPr>
               <a:t>going to cook</a:t>
             </a:r>
@@ -7580,7 +7678,8 @@
                   <a:srgbClr val="000000"/>
                 </a:solidFill>
                 <a:effectLst/>
-                <a:latin typeface="Verdana" panose="020B0604030504040204" pitchFamily="34" charset="0"/>
+                <a:latin typeface="Segoe UI" panose="020B0502040204020203" pitchFamily="34" charset="0"/>
+                <a:cs typeface="Segoe UI" panose="020B0502040204020203" pitchFamily="34" charset="0"/>
               </a:rPr>
               <a:t> tonight?</a:t>
             </a:r>
@@ -7596,7 +7695,8 @@
                   <a:srgbClr val="000000"/>
                 </a:solidFill>
                 <a:effectLst/>
-                <a:latin typeface="Verdana" panose="020B0604030504040204" pitchFamily="34" charset="0"/>
+                <a:latin typeface="Segoe UI" panose="020B0502040204020203" pitchFamily="34" charset="0"/>
+                <a:cs typeface="Segoe UI" panose="020B0502040204020203" pitchFamily="34" charset="0"/>
               </a:rPr>
               <a:t>I'll </a:t>
             </a:r>
@@ -7606,7 +7706,8 @@
                   <a:srgbClr val="000000"/>
                 </a:solidFill>
                 <a:effectLst/>
-                <a:latin typeface="Verdana" panose="020B0604030504040204" pitchFamily="34" charset="0"/>
+                <a:latin typeface="Segoe UI" panose="020B0502040204020203" pitchFamily="34" charset="0"/>
+                <a:cs typeface="Segoe UI" panose="020B0502040204020203" pitchFamily="34" charset="0"/>
               </a:rPr>
               <a:t>cook</a:t>
             </a:r>
@@ -7616,7 +7717,8 @@
                   <a:srgbClr val="000000"/>
                 </a:solidFill>
                 <a:effectLst/>
-                <a:latin typeface="Verdana" panose="020B0604030504040204" pitchFamily="34" charset="0"/>
+                <a:latin typeface="Segoe UI" panose="020B0502040204020203" pitchFamily="34" charset="0"/>
+                <a:cs typeface="Segoe UI" panose="020B0502040204020203" pitchFamily="34" charset="0"/>
               </a:rPr>
               <a:t> if you do the dishes. Deal? -Deal.</a:t>
             </a:r>
@@ -7632,7 +7734,8 @@
                   <a:srgbClr val="000000"/>
                 </a:solidFill>
                 <a:effectLst/>
-                <a:latin typeface="Verdana" panose="020B0604030504040204" pitchFamily="34" charset="0"/>
+                <a:latin typeface="Segoe UI" panose="020B0502040204020203" pitchFamily="34" charset="0"/>
+                <a:cs typeface="Segoe UI" panose="020B0502040204020203" pitchFamily="34" charset="0"/>
               </a:rPr>
               <a:t>I haven't </a:t>
             </a:r>
@@ -7642,7 +7745,8 @@
                   <a:srgbClr val="000000"/>
                 </a:solidFill>
                 <a:effectLst/>
-                <a:latin typeface="Verdana" panose="020B0604030504040204" pitchFamily="34" charset="0"/>
+                <a:latin typeface="Segoe UI" panose="020B0502040204020203" pitchFamily="34" charset="0"/>
+                <a:cs typeface="Segoe UI" panose="020B0502040204020203" pitchFamily="34" charset="0"/>
               </a:rPr>
               <a:t>cooked</a:t>
             </a:r>
@@ -7652,7 +7756,8 @@
                   <a:srgbClr val="000000"/>
                 </a:solidFill>
                 <a:effectLst/>
-                <a:latin typeface="Verdana" panose="020B0604030504040204" pitchFamily="34" charset="0"/>
+                <a:latin typeface="Segoe UI" panose="020B0502040204020203" pitchFamily="34" charset="0"/>
+                <a:cs typeface="Segoe UI" panose="020B0502040204020203" pitchFamily="34" charset="0"/>
               </a:rPr>
               <a:t> the dinner.</a:t>
             </a:r>
@@ -7668,7 +7773,8 @@
                   <a:srgbClr val="000000"/>
                 </a:solidFill>
                 <a:effectLst/>
-                <a:latin typeface="Verdana" panose="020B0604030504040204" pitchFamily="34" charset="0"/>
+                <a:latin typeface="Segoe UI" panose="020B0502040204020203" pitchFamily="34" charset="0"/>
+                <a:cs typeface="Segoe UI" panose="020B0502040204020203" pitchFamily="34" charset="0"/>
               </a:rPr>
               <a:t>We </a:t>
             </a:r>
@@ -7678,7 +7784,8 @@
                   <a:srgbClr val="000000"/>
                 </a:solidFill>
                 <a:effectLst/>
-                <a:latin typeface="Verdana" panose="020B0604030504040204" pitchFamily="34" charset="0"/>
+                <a:latin typeface="Segoe UI" panose="020B0502040204020203" pitchFamily="34" charset="0"/>
+                <a:cs typeface="Segoe UI" panose="020B0502040204020203" pitchFamily="34" charset="0"/>
               </a:rPr>
               <a:t>could cook</a:t>
             </a:r>
@@ -7688,7 +7795,8 @@
                   <a:srgbClr val="000000"/>
                 </a:solidFill>
                 <a:effectLst/>
-                <a:latin typeface="Verdana" panose="020B0604030504040204" pitchFamily="34" charset="0"/>
+                <a:latin typeface="Segoe UI" panose="020B0502040204020203" pitchFamily="34" charset="0"/>
+                <a:cs typeface="Segoe UI" panose="020B0502040204020203" pitchFamily="34" charset="0"/>
               </a:rPr>
               <a:t> something easy, like pasta.</a:t>
             </a:r>
@@ -7724,7 +7832,8 @@
                   <a:srgbClr val="000000"/>
                 </a:solidFill>
                 <a:effectLst/>
-                <a:latin typeface="Verdana" panose="020B0604030504040204" pitchFamily="34" charset="0"/>
+                <a:latin typeface="Segoe UI" panose="020B0502040204020203" pitchFamily="34" charset="0"/>
+                <a:cs typeface="Segoe UI" panose="020B0502040204020203" pitchFamily="34" charset="0"/>
               </a:rPr>
               <a:t>He </a:t>
             </a:r>
@@ -7734,7 +7843,8 @@
                   <a:srgbClr val="000000"/>
                 </a:solidFill>
                 <a:effectLst/>
-                <a:latin typeface="Verdana" panose="020B0604030504040204" pitchFamily="34" charset="0"/>
+                <a:latin typeface="Segoe UI" panose="020B0502040204020203" pitchFamily="34" charset="0"/>
+                <a:cs typeface="Segoe UI" panose="020B0502040204020203" pitchFamily="34" charset="0"/>
               </a:rPr>
               <a:t>cried</a:t>
             </a:r>
@@ -7744,7 +7854,8 @@
                   <a:srgbClr val="000000"/>
                 </a:solidFill>
                 <a:effectLst/>
-                <a:latin typeface="Verdana" panose="020B0604030504040204" pitchFamily="34" charset="0"/>
+                <a:latin typeface="Segoe UI" panose="020B0502040204020203" pitchFamily="34" charset="0"/>
+                <a:cs typeface="Segoe UI" panose="020B0502040204020203" pitchFamily="34" charset="0"/>
               </a:rPr>
               <a:t> because he hurt his knee.</a:t>
             </a:r>
@@ -7760,7 +7871,8 @@
                   <a:srgbClr val="000000"/>
                 </a:solidFill>
                 <a:effectLst/>
-                <a:latin typeface="Verdana" panose="020B0604030504040204" pitchFamily="34" charset="0"/>
+                <a:latin typeface="Segoe UI" panose="020B0502040204020203" pitchFamily="34" charset="0"/>
+                <a:cs typeface="Segoe UI" panose="020B0502040204020203" pitchFamily="34" charset="0"/>
               </a:rPr>
               <a:t>Some babies </a:t>
             </a:r>
@@ -7770,7 +7882,8 @@
                   <a:srgbClr val="000000"/>
                 </a:solidFill>
                 <a:effectLst/>
-                <a:latin typeface="Verdana" panose="020B0604030504040204" pitchFamily="34" charset="0"/>
+                <a:latin typeface="Segoe UI" panose="020B0502040204020203" pitchFamily="34" charset="0"/>
+                <a:cs typeface="Segoe UI" panose="020B0502040204020203" pitchFamily="34" charset="0"/>
               </a:rPr>
               <a:t>cry</a:t>
             </a:r>
@@ -7780,7 +7893,8 @@
                   <a:srgbClr val="000000"/>
                 </a:solidFill>
                 <a:effectLst/>
-                <a:latin typeface="Verdana" panose="020B0604030504040204" pitchFamily="34" charset="0"/>
+                <a:latin typeface="Segoe UI" panose="020B0502040204020203" pitchFamily="34" charset="0"/>
+                <a:cs typeface="Segoe UI" panose="020B0502040204020203" pitchFamily="34" charset="0"/>
               </a:rPr>
               <a:t> during the night.</a:t>
             </a:r>
@@ -7796,7 +7910,8 @@
                   <a:srgbClr val="000000"/>
                 </a:solidFill>
                 <a:effectLst/>
-                <a:latin typeface="Verdana" panose="020B0604030504040204" pitchFamily="34" charset="0"/>
+                <a:latin typeface="Segoe UI" panose="020B0502040204020203" pitchFamily="34" charset="0"/>
+                <a:cs typeface="Segoe UI" panose="020B0502040204020203" pitchFamily="34" charset="0"/>
               </a:rPr>
               <a:t>She is certainly not </a:t>
             </a:r>
@@ -7806,7 +7921,8 @@
                   <a:srgbClr val="000000"/>
                 </a:solidFill>
                 <a:effectLst/>
-                <a:latin typeface="Verdana" panose="020B0604030504040204" pitchFamily="34" charset="0"/>
+                <a:latin typeface="Segoe UI" panose="020B0502040204020203" pitchFamily="34" charset="0"/>
+                <a:cs typeface="Segoe UI" panose="020B0502040204020203" pitchFamily="34" charset="0"/>
               </a:rPr>
               <a:t>going to cry</a:t>
             </a:r>
@@ -7816,7 +7932,8 @@
                   <a:srgbClr val="000000"/>
                 </a:solidFill>
                 <a:effectLst/>
-                <a:latin typeface="Verdana" panose="020B0604030504040204" pitchFamily="34" charset="0"/>
+                <a:latin typeface="Segoe UI" panose="020B0502040204020203" pitchFamily="34" charset="0"/>
+                <a:cs typeface="Segoe UI" panose="020B0502040204020203" pitchFamily="34" charset="0"/>
               </a:rPr>
               <a:t> on her honeymoon.</a:t>
             </a:r>
@@ -7832,7 +7949,8 @@
                   <a:srgbClr val="000000"/>
                 </a:solidFill>
                 <a:effectLst/>
-                <a:latin typeface="Verdana" panose="020B0604030504040204" pitchFamily="34" charset="0"/>
+                <a:latin typeface="Segoe UI" panose="020B0502040204020203" pitchFamily="34" charset="0"/>
+                <a:cs typeface="Segoe UI" panose="020B0502040204020203" pitchFamily="34" charset="0"/>
               </a:rPr>
               <a:t>A strong woman </a:t>
             </a:r>
@@ -7842,7 +7960,8 @@
                   <a:srgbClr val="000000"/>
                 </a:solidFill>
                 <a:effectLst/>
-                <a:latin typeface="Verdana" panose="020B0604030504040204" pitchFamily="34" charset="0"/>
+                <a:latin typeface="Segoe UI" panose="020B0502040204020203" pitchFamily="34" charset="0"/>
+                <a:cs typeface="Segoe UI" panose="020B0502040204020203" pitchFamily="34" charset="0"/>
               </a:rPr>
               <a:t>will cry</a:t>
             </a:r>
@@ -7852,7 +7971,8 @@
                   <a:srgbClr val="000000"/>
                 </a:solidFill>
                 <a:effectLst/>
-                <a:latin typeface="Verdana" panose="020B0604030504040204" pitchFamily="34" charset="0"/>
+                <a:latin typeface="Segoe UI" panose="020B0502040204020203" pitchFamily="34" charset="0"/>
+                <a:cs typeface="Segoe UI" panose="020B0502040204020203" pitchFamily="34" charset="0"/>
               </a:rPr>
               <a:t>, but will not admit defeat.</a:t>
             </a:r>
@@ -7868,7 +7988,8 @@
                   <a:srgbClr val="000000"/>
                 </a:solidFill>
                 <a:effectLst/>
-                <a:latin typeface="Verdana" panose="020B0604030504040204" pitchFamily="34" charset="0"/>
+                <a:latin typeface="Segoe UI" panose="020B0502040204020203" pitchFamily="34" charset="0"/>
+                <a:cs typeface="Segoe UI" panose="020B0502040204020203" pitchFamily="34" charset="0"/>
               </a:rPr>
               <a:t>I </a:t>
             </a:r>
@@ -7878,7 +7999,8 @@
                   <a:srgbClr val="000000"/>
                 </a:solidFill>
                 <a:effectLst/>
-                <a:latin typeface="Verdana" panose="020B0604030504040204" pitchFamily="34" charset="0"/>
+                <a:latin typeface="Segoe UI" panose="020B0502040204020203" pitchFamily="34" charset="0"/>
+                <a:cs typeface="Segoe UI" panose="020B0502040204020203" pitchFamily="34" charset="0"/>
               </a:rPr>
               <a:t>have cried</a:t>
             </a:r>
@@ -7888,7 +8010,8 @@
                   <a:srgbClr val="000000"/>
                 </a:solidFill>
                 <a:effectLst/>
-                <a:latin typeface="Verdana" panose="020B0604030504040204" pitchFamily="34" charset="0"/>
+                <a:latin typeface="Segoe UI" panose="020B0502040204020203" pitchFamily="34" charset="0"/>
+                <a:cs typeface="Segoe UI" panose="020B0502040204020203" pitchFamily="34" charset="0"/>
               </a:rPr>
               <a:t> for him, yes, but I can not cry today.</a:t>
             </a:r>
@@ -7904,7 +8027,8 @@
                   <a:srgbClr val="000000"/>
                 </a:solidFill>
                 <a:effectLst/>
-                <a:latin typeface="Verdana" panose="020B0604030504040204" pitchFamily="34" charset="0"/>
+                <a:latin typeface="Segoe UI" panose="020B0502040204020203" pitchFamily="34" charset="0"/>
+                <a:cs typeface="Segoe UI" panose="020B0502040204020203" pitchFamily="34" charset="0"/>
               </a:rPr>
               <a:t>The baby </a:t>
             </a:r>
@@ -7914,7 +8038,8 @@
                   <a:srgbClr val="000000"/>
                 </a:solidFill>
                 <a:effectLst/>
-                <a:latin typeface="Verdana" panose="020B0604030504040204" pitchFamily="34" charset="0"/>
+                <a:latin typeface="Segoe UI" panose="020B0502040204020203" pitchFamily="34" charset="0"/>
+                <a:cs typeface="Segoe UI" panose="020B0502040204020203" pitchFamily="34" charset="0"/>
               </a:rPr>
               <a:t>can cry</a:t>
             </a:r>
@@ -7924,7 +8049,8 @@
                   <a:srgbClr val="000000"/>
                 </a:solidFill>
                 <a:effectLst/>
-                <a:latin typeface="Verdana" panose="020B0604030504040204" pitchFamily="34" charset="0"/>
+                <a:latin typeface="Segoe UI" panose="020B0502040204020203" pitchFamily="34" charset="0"/>
+                <a:cs typeface="Segoe UI" panose="020B0502040204020203" pitchFamily="34" charset="0"/>
               </a:rPr>
               <a:t> as soon as he is born.</a:t>
             </a:r>
@@ -7984,7 +8110,8 @@
                   <a:srgbClr val="000000"/>
                 </a:solidFill>
                 <a:effectLst/>
-                <a:latin typeface="Verdana" panose="020B0604030504040204" pitchFamily="34" charset="0"/>
+                <a:latin typeface="Segoe UI" panose="020B0502040204020203" pitchFamily="34" charset="0"/>
+                <a:cs typeface="Segoe UI" panose="020B0502040204020203" pitchFamily="34" charset="0"/>
               </a:rPr>
               <a:t>She </a:t>
             </a:r>
@@ -7994,7 +8121,8 @@
                   <a:srgbClr val="000000"/>
                 </a:solidFill>
                 <a:effectLst/>
-                <a:latin typeface="Verdana" panose="020B0604030504040204" pitchFamily="34" charset="0"/>
+                <a:latin typeface="Segoe UI" panose="020B0502040204020203" pitchFamily="34" charset="0"/>
+                <a:cs typeface="Segoe UI" panose="020B0502040204020203" pitchFamily="34" charset="0"/>
               </a:rPr>
               <a:t>cut</a:t>
             </a:r>
@@ -8004,7 +8132,8 @@
                   <a:srgbClr val="000000"/>
                 </a:solidFill>
                 <a:effectLst/>
-                <a:latin typeface="Verdana" panose="020B0604030504040204" pitchFamily="34" charset="0"/>
+                <a:latin typeface="Segoe UI" panose="020B0502040204020203" pitchFamily="34" charset="0"/>
+                <a:cs typeface="Segoe UI" panose="020B0502040204020203" pitchFamily="34" charset="0"/>
               </a:rPr>
               <a:t> the meat into small pieces.</a:t>
             </a:r>
@@ -8020,7 +8149,8 @@
                   <a:srgbClr val="000000"/>
                 </a:solidFill>
                 <a:effectLst/>
-                <a:latin typeface="Verdana" panose="020B0604030504040204" pitchFamily="34" charset="0"/>
+                <a:latin typeface="Segoe UI" panose="020B0502040204020203" pitchFamily="34" charset="0"/>
+                <a:cs typeface="Segoe UI" panose="020B0502040204020203" pitchFamily="34" charset="0"/>
               </a:rPr>
               <a:t>Score twice before you </a:t>
             </a:r>
@@ -8030,7 +8160,8 @@
                   <a:srgbClr val="000000"/>
                 </a:solidFill>
                 <a:effectLst/>
-                <a:latin typeface="Verdana" panose="020B0604030504040204" pitchFamily="34" charset="0"/>
+                <a:latin typeface="Segoe UI" panose="020B0502040204020203" pitchFamily="34" charset="0"/>
+                <a:cs typeface="Segoe UI" panose="020B0502040204020203" pitchFamily="34" charset="0"/>
               </a:rPr>
               <a:t>cut</a:t>
             </a:r>
@@ -8040,7 +8171,8 @@
                   <a:srgbClr val="000000"/>
                 </a:solidFill>
                 <a:effectLst/>
-                <a:latin typeface="Verdana" panose="020B0604030504040204" pitchFamily="34" charset="0"/>
+                <a:latin typeface="Segoe UI" panose="020B0502040204020203" pitchFamily="34" charset="0"/>
+                <a:cs typeface="Segoe UI" panose="020B0502040204020203" pitchFamily="34" charset="0"/>
               </a:rPr>
               <a:t> once.</a:t>
             </a:r>
@@ -8056,7 +8188,8 @@
                   <a:srgbClr val="000000"/>
                 </a:solidFill>
                 <a:effectLst/>
-                <a:latin typeface="Verdana" panose="020B0604030504040204" pitchFamily="34" charset="0"/>
+                <a:latin typeface="Segoe UI" panose="020B0502040204020203" pitchFamily="34" charset="0"/>
+                <a:cs typeface="Segoe UI" panose="020B0502040204020203" pitchFamily="34" charset="0"/>
               </a:rPr>
               <a:t>I'm just </a:t>
             </a:r>
@@ -8066,7 +8199,8 @@
                   <a:srgbClr val="000000"/>
                 </a:solidFill>
                 <a:effectLst/>
-                <a:latin typeface="Verdana" panose="020B0604030504040204" pitchFamily="34" charset="0"/>
+                <a:latin typeface="Segoe UI" panose="020B0502040204020203" pitchFamily="34" charset="0"/>
+                <a:cs typeface="Segoe UI" panose="020B0502040204020203" pitchFamily="34" charset="0"/>
               </a:rPr>
               <a:t>going to cut</a:t>
             </a:r>
@@ -8076,7 +8210,8 @@
                   <a:srgbClr val="000000"/>
                 </a:solidFill>
                 <a:effectLst/>
-                <a:latin typeface="Verdana" panose="020B0604030504040204" pitchFamily="34" charset="0"/>
+                <a:latin typeface="Segoe UI" panose="020B0502040204020203" pitchFamily="34" charset="0"/>
+                <a:cs typeface="Segoe UI" panose="020B0502040204020203" pitchFamily="34" charset="0"/>
               </a:rPr>
               <a:t> the grass.</a:t>
             </a:r>
@@ -8092,7 +8227,8 @@
                   <a:srgbClr val="000000"/>
                 </a:solidFill>
                 <a:effectLst/>
-                <a:latin typeface="Verdana" panose="020B0604030504040204" pitchFamily="34" charset="0"/>
+                <a:latin typeface="Segoe UI" panose="020B0502040204020203" pitchFamily="34" charset="0"/>
+                <a:cs typeface="Segoe UI" panose="020B0502040204020203" pitchFamily="34" charset="0"/>
               </a:rPr>
               <a:t>I </a:t>
             </a:r>
@@ -8102,7 +8238,8 @@
                   <a:srgbClr val="000000"/>
                 </a:solidFill>
                 <a:effectLst/>
-                <a:latin typeface="Verdana" panose="020B0604030504040204" pitchFamily="34" charset="0"/>
+                <a:latin typeface="Segoe UI" panose="020B0502040204020203" pitchFamily="34" charset="0"/>
+                <a:cs typeface="Segoe UI" panose="020B0502040204020203" pitchFamily="34" charset="0"/>
               </a:rPr>
               <a:t>will cut</a:t>
             </a:r>
@@ -8112,7 +8249,8 @@
                   <a:srgbClr val="000000"/>
                 </a:solidFill>
                 <a:effectLst/>
-                <a:latin typeface="Verdana" panose="020B0604030504040204" pitchFamily="34" charset="0"/>
+                <a:latin typeface="Segoe UI" panose="020B0502040204020203" pitchFamily="34" charset="0"/>
+                <a:cs typeface="Segoe UI" panose="020B0502040204020203" pitchFamily="34" charset="0"/>
               </a:rPr>
               <a:t> a long story short.</a:t>
             </a:r>
@@ -8128,7 +8266,8 @@
                   <a:srgbClr val="000000"/>
                 </a:solidFill>
                 <a:effectLst/>
-                <a:latin typeface="Verdana" panose="020B0604030504040204" pitchFamily="34" charset="0"/>
+                <a:latin typeface="Segoe UI" panose="020B0502040204020203" pitchFamily="34" charset="0"/>
+                <a:cs typeface="Segoe UI" panose="020B0502040204020203" pitchFamily="34" charset="0"/>
               </a:rPr>
               <a:t>They </a:t>
             </a:r>
@@ -8138,7 +8277,8 @@
                   <a:srgbClr val="000000"/>
                 </a:solidFill>
                 <a:effectLst/>
-                <a:latin typeface="Verdana" panose="020B0604030504040204" pitchFamily="34" charset="0"/>
+                <a:latin typeface="Segoe UI" panose="020B0502040204020203" pitchFamily="34" charset="0"/>
+                <a:cs typeface="Segoe UI" panose="020B0502040204020203" pitchFamily="34" charset="0"/>
               </a:rPr>
               <a:t>have cut</a:t>
             </a:r>
@@ -8148,7 +8288,8 @@
                   <a:srgbClr val="000000"/>
                 </a:solidFill>
                 <a:effectLst/>
-                <a:latin typeface="Verdana" panose="020B0604030504040204" pitchFamily="34" charset="0"/>
+                <a:latin typeface="Segoe UI" panose="020B0502040204020203" pitchFamily="34" charset="0"/>
+                <a:cs typeface="Segoe UI" panose="020B0502040204020203" pitchFamily="34" charset="0"/>
               </a:rPr>
               <a:t> the price of their products by almost 30 per cent.</a:t>
             </a:r>
@@ -8164,7 +8305,8 @@
                   <a:srgbClr val="000000"/>
                 </a:solidFill>
                 <a:effectLst/>
-                <a:latin typeface="Verdana" panose="020B0604030504040204" pitchFamily="34" charset="0"/>
+                <a:latin typeface="Segoe UI" panose="020B0502040204020203" pitchFamily="34" charset="0"/>
+                <a:cs typeface="Segoe UI" panose="020B0502040204020203" pitchFamily="34" charset="0"/>
               </a:rPr>
               <a:t>You </a:t>
             </a:r>
@@ -8174,7 +8316,8 @@
                   <a:srgbClr val="000000"/>
                 </a:solidFill>
                 <a:effectLst/>
-                <a:latin typeface="Verdana" panose="020B0604030504040204" pitchFamily="34" charset="0"/>
+                <a:latin typeface="Segoe UI" panose="020B0502040204020203" pitchFamily="34" charset="0"/>
+                <a:cs typeface="Segoe UI" panose="020B0502040204020203" pitchFamily="34" charset="0"/>
               </a:rPr>
               <a:t>must cut</a:t>
             </a:r>
@@ -8184,7 +8327,8 @@
                   <a:srgbClr val="000000"/>
                 </a:solidFill>
                 <a:effectLst/>
-                <a:latin typeface="Verdana" panose="020B0604030504040204" pitchFamily="34" charset="0"/>
+                <a:latin typeface="Segoe UI" panose="020B0502040204020203" pitchFamily="34" charset="0"/>
+                <a:cs typeface="Segoe UI" panose="020B0502040204020203" pitchFamily="34" charset="0"/>
               </a:rPr>
               <a:t> expenses this month.</a:t>
             </a:r>
@@ -8198,7 +8342,7 @@
               <a:solidFill>
                 <a:srgbClr val="000000"/>
               </a:solidFill>
-              <a:latin typeface="Verdana" panose="020B0604030504040204" pitchFamily="34" charset="0"/>
+              <a:latin typeface="Segoe UI" panose="020B0502040204020203" pitchFamily="34" charset="0"/>
               <a:cs typeface="Segoe UI" panose="020B0502040204020203" pitchFamily="34" charset="0"/>
             </a:endParaRPr>
           </a:p>
@@ -8211,7 +8355,7 @@
               <a:solidFill>
                 <a:srgbClr val="000000"/>
               </a:solidFill>
-              <a:latin typeface="Verdana" panose="020B0604030504040204" pitchFamily="34" charset="0"/>
+              <a:latin typeface="Segoe UI" panose="020B0502040204020203" pitchFamily="34" charset="0"/>
               <a:cs typeface="Segoe UI" panose="020B0502040204020203" pitchFamily="34" charset="0"/>
             </a:endParaRPr>
           </a:p>
@@ -8224,7 +8368,7 @@
               <a:solidFill>
                 <a:srgbClr val="000000"/>
               </a:solidFill>
-              <a:latin typeface="Verdana" panose="020B0604030504040204" pitchFamily="34" charset="0"/>
+              <a:latin typeface="Segoe UI" panose="020B0502040204020203" pitchFamily="34" charset="0"/>
               <a:cs typeface="Segoe UI" panose="020B0502040204020203" pitchFamily="34" charset="0"/>
             </a:endParaRPr>
           </a:p>
@@ -11160,7 +11304,25 @@
                 </a:solidFill>
                 <a:latin typeface="system-ui"/>
               </a:rPr>
-              <a:t> on heart” to you?</a:t>
+              <a:t> on </a:t>
+            </a:r>
+            <a:r>
+              <a:rPr lang="pt-BR" sz="1200" dirty="0" err="1">
+                <a:solidFill>
+                  <a:srgbClr val="5F5F5F"/>
+                </a:solidFill>
+                <a:latin typeface="system-ui"/>
+              </a:rPr>
+              <a:t>earth</a:t>
+            </a:r>
+            <a:r>
+              <a:rPr lang="pt-BR" sz="1200" dirty="0">
+                <a:solidFill>
+                  <a:srgbClr val="5F5F5F"/>
+                </a:solidFill>
+                <a:latin typeface="system-ui"/>
+              </a:rPr>
+              <a:t>” to you?</a:t>
             </a:r>
           </a:p>
           <a:p>
@@ -11474,7 +11636,25 @@
                 </a:solidFill>
                 <a:latin typeface="system-ui"/>
               </a:rPr>
-              <a:t>Tell me two exemple of </a:t>
+              <a:t>Tell me </a:t>
+            </a:r>
+            <a:r>
+              <a:rPr lang="pt-BR" sz="1200">
+                <a:solidFill>
+                  <a:srgbClr val="5F5F5F"/>
+                </a:solidFill>
+                <a:latin typeface="system-ui"/>
+              </a:rPr>
+              <a:t>two exemples </a:t>
+            </a:r>
+            <a:r>
+              <a:rPr lang="pt-BR" sz="1200" dirty="0">
+                <a:solidFill>
+                  <a:srgbClr val="5F5F5F"/>
+                </a:solidFill>
+                <a:latin typeface="system-ui"/>
+              </a:rPr>
+              <a:t>of </a:t>
             </a:r>
             <a:r>
               <a:rPr lang="pt-BR" sz="1200" dirty="0" err="1">
